--- a/Go or No Go presentatie.pptx
+++ b/Go or No Go presentatie.pptx
@@ -913,7 +913,7 @@
 <dgm:dataModel xmlns:dgm="http://schemas.openxmlformats.org/drawingml/2006/diagram" xmlns:a="http://schemas.openxmlformats.org/drawingml/2006/main">
   <dgm:ptLst>
     <dgm:pt modelId="{CCCAD865-2290-4BBE-9061-75C41BB2C6CE}" type="doc">
-      <dgm:prSet loTypeId="urn:microsoft.com/office/officeart/2005/8/layout/vList2" loCatId="list" qsTypeId="urn:microsoft.com/office/officeart/2005/8/quickstyle/simple1" qsCatId="simple" csTypeId="urn:microsoft.com/office/officeart/2005/8/colors/colorful5" csCatId="colorful"/>
+      <dgm:prSet loTypeId="urn:microsoft.com/office/officeart/2005/8/layout/vList2" loCatId="list" qsTypeId="urn:microsoft.com/office/officeart/2005/8/quickstyle/simple1" qsCatId="simple" csTypeId="urn:microsoft.com/office/officeart/2005/8/colors/colorful5" csCatId="colorful" phldr="1"/>
       <dgm:spPr/>
       <dgm:t>
         <a:bodyPr/>
@@ -968,7 +968,7 @@
         <a:p>
           <a:r>
             <a:rPr lang="nl-NL" dirty="0"/>
-            <a:t>Maken in unity</a:t>
+            <a:t>Maken in javascript</a:t>
           </a:r>
         </a:p>
       </dgm:t>
@@ -1003,12 +1003,9 @@
         <a:lstStyle/>
         <a:p>
           <a:r>
-            <a:rPr lang="nl-NL" dirty="0">
-              <a:latin typeface="Sitka Banner"/>
-            </a:rPr>
-            <a:t>kinect</a:t>
+            <a:rPr lang="nl-NL" dirty="0"/>
+            <a:t>mediapipe</a:t>
           </a:r>
-          <a:endParaRPr lang="nl-NL" dirty="0"/>
         </a:p>
       </dgm:t>
     </dgm:pt>
@@ -1034,46 +1031,6 @@
         </a:p>
       </dgm:t>
     </dgm:pt>
-    <dgm:pt modelId="{3CEF04DB-FAA4-447D-B411-E24A28DCD6C1}">
-      <dgm:prSet phldr="0"/>
-      <dgm:spPr/>
-      <dgm:t>
-        <a:bodyPr/>
-        <a:lstStyle/>
-        <a:p>
-          <a:pPr rtl="0"/>
-          <a:r>
-            <a:rPr lang="nl-NL" dirty="0">
-              <a:latin typeface="Sitka Banner"/>
-            </a:rPr>
-            <a:t>Misschien vr element</a:t>
-          </a:r>
-          <a:endParaRPr lang="nl-NL" dirty="0"/>
-        </a:p>
-      </dgm:t>
-    </dgm:pt>
-    <dgm:pt modelId="{00ACC66F-31CD-41B8-8585-7AF651646BEB}" type="parTrans" cxnId="{9EAC7910-0CA0-4A74-8BAE-8288F214027D}">
-      <dgm:prSet/>
-      <dgm:spPr/>
-      <dgm:t>
-        <a:bodyPr/>
-        <a:lstStyle/>
-        <a:p>
-          <a:endParaRPr lang="en-US"/>
-        </a:p>
-      </dgm:t>
-    </dgm:pt>
-    <dgm:pt modelId="{8E2D8133-9EC0-4BE0-AD8F-6944B7CBDFFA}" type="sibTrans" cxnId="{9EAC7910-0CA0-4A74-8BAE-8288F214027D}">
-      <dgm:prSet/>
-      <dgm:spPr/>
-      <dgm:t>
-        <a:bodyPr/>
-        <a:lstStyle/>
-        <a:p>
-          <a:endParaRPr lang="en-US"/>
-        </a:p>
-      </dgm:t>
-    </dgm:pt>
     <dgm:pt modelId="{C239A3A4-0338-4FC7-8CE1-AA8F5DCB5A9E}" type="pres">
       <dgm:prSet presAssocID="{CCCAD865-2290-4BBE-9061-75C41BB2C6CE}" presName="linear" presStyleCnt="0">
         <dgm:presLayoutVars>
@@ -1084,7 +1041,7 @@
       <dgm:spPr/>
     </dgm:pt>
     <dgm:pt modelId="{D0E70C79-0245-48EE-B293-6160EAB1ABAE}" type="pres">
-      <dgm:prSet presAssocID="{15CC3441-8371-40A3-B5AB-8AB0E9F818CF}" presName="parentText" presStyleLbl="node1" presStyleIdx="0" presStyleCnt="4">
+      <dgm:prSet presAssocID="{15CC3441-8371-40A3-B5AB-8AB0E9F818CF}" presName="parentText" presStyleLbl="node1" presStyleIdx="0" presStyleCnt="3">
         <dgm:presLayoutVars>
           <dgm:chMax val="0"/>
           <dgm:bulletEnabled val="1"/>
@@ -1097,7 +1054,7 @@
       <dgm:spPr/>
     </dgm:pt>
     <dgm:pt modelId="{9A3C0E02-67B5-41AA-942C-16B22CFA34F4}" type="pres">
-      <dgm:prSet presAssocID="{E2CAC17B-56E9-49D6-B894-F9E297E00902}" presName="parentText" presStyleLbl="node1" presStyleIdx="1" presStyleCnt="4">
+      <dgm:prSet presAssocID="{E2CAC17B-56E9-49D6-B894-F9E297E00902}" presName="parentText" presStyleLbl="node1" presStyleIdx="1" presStyleCnt="3">
         <dgm:presLayoutVars>
           <dgm:chMax val="0"/>
           <dgm:bulletEnabled val="1"/>
@@ -1110,20 +1067,7 @@
       <dgm:spPr/>
     </dgm:pt>
     <dgm:pt modelId="{5C2C069D-ED7B-41F3-B79C-99979A5F821B}" type="pres">
-      <dgm:prSet presAssocID="{98F98FF9-F844-4E4B-AF64-0C6B25C09963}" presName="parentText" presStyleLbl="node1" presStyleIdx="2" presStyleCnt="4">
-        <dgm:presLayoutVars>
-          <dgm:chMax val="0"/>
-          <dgm:bulletEnabled val="1"/>
-        </dgm:presLayoutVars>
-      </dgm:prSet>
-      <dgm:spPr/>
-    </dgm:pt>
-    <dgm:pt modelId="{E4F3CD4B-8455-435C-9F06-0147B777C5C7}" type="pres">
-      <dgm:prSet presAssocID="{DBBCD7C7-5B35-4A1D-A723-44B2B5BA9021}" presName="spacer" presStyleCnt="0"/>
-      <dgm:spPr/>
-    </dgm:pt>
-    <dgm:pt modelId="{EE36554B-E92E-49D5-B7C1-631F8EE539FC}" type="pres">
-      <dgm:prSet presAssocID="{3CEF04DB-FAA4-447D-B411-E24A28DCD6C1}" presName="parentText" presStyleLbl="node1" presStyleIdx="3" presStyleCnt="4">
+      <dgm:prSet presAssocID="{98F98FF9-F844-4E4B-AF64-0C6B25C09963}" presName="parentText" presStyleLbl="node1" presStyleIdx="2" presStyleCnt="3">
         <dgm:presLayoutVars>
           <dgm:chMax val="0"/>
           <dgm:bulletEnabled val="1"/>
@@ -1134,8 +1078,6 @@
   </dgm:ptLst>
   <dgm:cxnLst>
     <dgm:cxn modelId="{52AC1F04-2961-45F5-A4B3-D39DD9BE11CA}" srcId="{CCCAD865-2290-4BBE-9061-75C41BB2C6CE}" destId="{98F98FF9-F844-4E4B-AF64-0C6B25C09963}" srcOrd="2" destOrd="0" parTransId="{10AC8C0F-2F27-4E45-8791-1F31E671BE51}" sibTransId="{DBBCD7C7-5B35-4A1D-A723-44B2B5BA9021}"/>
-    <dgm:cxn modelId="{9EAC7910-0CA0-4A74-8BAE-8288F214027D}" srcId="{CCCAD865-2290-4BBE-9061-75C41BB2C6CE}" destId="{3CEF04DB-FAA4-447D-B411-E24A28DCD6C1}" srcOrd="3" destOrd="0" parTransId="{00ACC66F-31CD-41B8-8585-7AF651646BEB}" sibTransId="{8E2D8133-9EC0-4BE0-AD8F-6944B7CBDFFA}"/>
-    <dgm:cxn modelId="{C6B37836-B66D-47F2-A22E-8CA59F2F65BF}" type="presOf" srcId="{3CEF04DB-FAA4-447D-B411-E24A28DCD6C1}" destId="{EE36554B-E92E-49D5-B7C1-631F8EE539FC}" srcOrd="0" destOrd="0" presId="urn:microsoft.com/office/officeart/2005/8/layout/vList2"/>
     <dgm:cxn modelId="{CD1B6C39-5034-4CB3-BB7B-90CC4AE76FD0}" type="presOf" srcId="{98F98FF9-F844-4E4B-AF64-0C6B25C09963}" destId="{5C2C069D-ED7B-41F3-B79C-99979A5F821B}" srcOrd="0" destOrd="0" presId="urn:microsoft.com/office/officeart/2005/8/layout/vList2"/>
     <dgm:cxn modelId="{E51C3A60-E544-4DC5-8EFD-D10859ACC957}" type="presOf" srcId="{E2CAC17B-56E9-49D6-B894-F9E297E00902}" destId="{9A3C0E02-67B5-41AA-942C-16B22CFA34F4}" srcOrd="0" destOrd="0" presId="urn:microsoft.com/office/officeart/2005/8/layout/vList2"/>
     <dgm:cxn modelId="{00567A4A-DF69-4102-9B73-EA9688A45870}" srcId="{CCCAD865-2290-4BBE-9061-75C41BB2C6CE}" destId="{E2CAC17B-56E9-49D6-B894-F9E297E00902}" srcOrd="1" destOrd="0" parTransId="{1768F77D-E56F-4A70-AF0E-66BA587C8C0B}" sibTransId="{511651C9-76DE-4586-96A6-7768296477F7}"/>
@@ -1147,8 +1089,6 @@
     <dgm:cxn modelId="{AC8F6726-4121-4D17-AD62-3B6C25FF9D1E}" type="presParOf" srcId="{C239A3A4-0338-4FC7-8CE1-AA8F5DCB5A9E}" destId="{9A3C0E02-67B5-41AA-942C-16B22CFA34F4}" srcOrd="2" destOrd="0" presId="urn:microsoft.com/office/officeart/2005/8/layout/vList2"/>
     <dgm:cxn modelId="{9E1B1B31-741E-4739-8948-7026102F9133}" type="presParOf" srcId="{C239A3A4-0338-4FC7-8CE1-AA8F5DCB5A9E}" destId="{BFF1C744-E1A8-475B-A7BF-0FF2A20B7E6F}" srcOrd="3" destOrd="0" presId="urn:microsoft.com/office/officeart/2005/8/layout/vList2"/>
     <dgm:cxn modelId="{60E90318-1498-4072-8D92-C99F52392CBD}" type="presParOf" srcId="{C239A3A4-0338-4FC7-8CE1-AA8F5DCB5A9E}" destId="{5C2C069D-ED7B-41F3-B79C-99979A5F821B}" srcOrd="4" destOrd="0" presId="urn:microsoft.com/office/officeart/2005/8/layout/vList2"/>
-    <dgm:cxn modelId="{A57259E2-7CE8-4F5F-99E4-5CCDE66A2134}" type="presParOf" srcId="{C239A3A4-0338-4FC7-8CE1-AA8F5DCB5A9E}" destId="{E4F3CD4B-8455-435C-9F06-0147B777C5C7}" srcOrd="5" destOrd="0" presId="urn:microsoft.com/office/officeart/2005/8/layout/vList2"/>
-    <dgm:cxn modelId="{187D2ADE-2FB9-44B8-995D-5745EBB09B7E}" type="presParOf" srcId="{C239A3A4-0338-4FC7-8CE1-AA8F5DCB5A9E}" destId="{EE36554B-E92E-49D5-B7C1-631F8EE539FC}" srcOrd="6" destOrd="0" presId="urn:microsoft.com/office/officeart/2005/8/layout/vList2"/>
   </dgm:cxnLst>
   <dgm:bg/>
   <dgm:whole/>
@@ -1175,8 +1115,8 @@
       </dsp:nvSpPr>
       <dsp:spPr>
         <a:xfrm>
-          <a:off x="0" y="768597"/>
-          <a:ext cx="5664038" cy="791505"/>
+          <a:off x="0" y="50397"/>
+          <a:ext cx="5664038" cy="1551420"/>
         </a:xfrm>
         <a:prstGeom prst="roundRect">
           <a:avLst/>
@@ -1218,12 +1158,12 @@
         </a:fontRef>
       </dsp:style>
       <dsp:txBody>
-        <a:bodyPr spcFirstLastPara="0" vert="horz" wrap="square" lIns="121920" tIns="121920" rIns="121920" bIns="121920" numCol="1" spcCol="1270" anchor="ctr" anchorCtr="0">
+        <a:bodyPr spcFirstLastPara="0" vert="horz" wrap="square" lIns="148590" tIns="148590" rIns="148590" bIns="148590" numCol="1" spcCol="1270" anchor="ctr" anchorCtr="0">
           <a:noAutofit/>
         </a:bodyPr>
         <a:lstStyle/>
         <a:p>
-          <a:pPr marL="0" lvl="0" indent="0" algn="l" defTabSz="1422400">
+          <a:pPr marL="0" lvl="0" indent="0" algn="l" defTabSz="1733550">
             <a:lnSpc>
               <a:spcPct val="90000"/>
             </a:lnSpc>
@@ -1236,14 +1176,14 @@
             <a:buNone/>
           </a:pPr>
           <a:r>
-            <a:rPr lang="nl-NL" sz="3200" kern="1200" dirty="0"/>
+            <a:rPr lang="nl-NL" sz="3900" kern="1200" dirty="0"/>
             <a:t>Fruit ninja met hand tracking</a:t>
           </a:r>
         </a:p>
       </dsp:txBody>
       <dsp:txXfrm>
-        <a:off x="38638" y="807235"/>
-        <a:ext cx="5586762" cy="714229"/>
+        <a:off x="75734" y="126131"/>
+        <a:ext cx="5512570" cy="1399952"/>
       </dsp:txXfrm>
     </dsp:sp>
     <dsp:sp modelId="{9A3C0E02-67B5-41AA-942C-16B22CFA34F4}">
@@ -1253,17 +1193,17 @@
       </dsp:nvSpPr>
       <dsp:spPr>
         <a:xfrm>
-          <a:off x="0" y="1652262"/>
-          <a:ext cx="5664038" cy="791505"/>
+          <a:off x="0" y="1714137"/>
+          <a:ext cx="5664038" cy="1551420"/>
         </a:xfrm>
         <a:prstGeom prst="roundRect">
           <a:avLst/>
         </a:prstGeom>
         <a:solidFill>
           <a:schemeClr val="accent5">
-            <a:hueOff val="-513656"/>
-            <a:satOff val="4875"/>
-            <a:lumOff val="1634"/>
+            <a:hueOff val="-770483"/>
+            <a:satOff val="7312"/>
+            <a:lumOff val="2451"/>
             <a:alphaOff val="0"/>
           </a:schemeClr>
         </a:solidFill>
@@ -1296,12 +1236,12 @@
         </a:fontRef>
       </dsp:style>
       <dsp:txBody>
-        <a:bodyPr spcFirstLastPara="0" vert="horz" wrap="square" lIns="121920" tIns="121920" rIns="121920" bIns="121920" numCol="1" spcCol="1270" anchor="ctr" anchorCtr="0">
+        <a:bodyPr spcFirstLastPara="0" vert="horz" wrap="square" lIns="148590" tIns="148590" rIns="148590" bIns="148590" numCol="1" spcCol="1270" anchor="ctr" anchorCtr="0">
           <a:noAutofit/>
         </a:bodyPr>
         <a:lstStyle/>
         <a:p>
-          <a:pPr marL="0" lvl="0" indent="0" algn="l" defTabSz="1422400">
+          <a:pPr marL="0" lvl="0" indent="0" algn="l" defTabSz="1733550">
             <a:lnSpc>
               <a:spcPct val="90000"/>
             </a:lnSpc>
@@ -1314,14 +1254,14 @@
             <a:buNone/>
           </a:pPr>
           <a:r>
-            <a:rPr lang="nl-NL" sz="3200" kern="1200" dirty="0"/>
-            <a:t>Maken in unity</a:t>
+            <a:rPr lang="nl-NL" sz="3900" kern="1200" dirty="0"/>
+            <a:t>Maken in javascript</a:t>
           </a:r>
         </a:p>
       </dsp:txBody>
       <dsp:txXfrm>
-        <a:off x="38638" y="1690900"/>
-        <a:ext cx="5586762" cy="714229"/>
+        <a:off x="75734" y="1789871"/>
+        <a:ext cx="5512570" cy="1399952"/>
       </dsp:txXfrm>
     </dsp:sp>
     <dsp:sp modelId="{5C2C069D-ED7B-41F3-B79C-99979A5F821B}">
@@ -1331,89 +1271,8 @@
       </dsp:nvSpPr>
       <dsp:spPr>
         <a:xfrm>
-          <a:off x="0" y="2535927"/>
-          <a:ext cx="5664038" cy="791505"/>
-        </a:xfrm>
-        <a:prstGeom prst="roundRect">
-          <a:avLst/>
-        </a:prstGeom>
-        <a:solidFill>
-          <a:schemeClr val="accent5">
-            <a:hueOff val="-1027311"/>
-            <a:satOff val="9750"/>
-            <a:lumOff val="3268"/>
-            <a:alphaOff val="0"/>
-          </a:schemeClr>
-        </a:solidFill>
-        <a:ln w="12700" cap="flat" cmpd="sng" algn="ctr">
-          <a:solidFill>
-            <a:schemeClr val="lt1">
-              <a:hueOff val="0"/>
-              <a:satOff val="0"/>
-              <a:lumOff val="0"/>
-              <a:alphaOff val="0"/>
-            </a:schemeClr>
-          </a:solidFill>
-          <a:prstDash val="solid"/>
-          <a:miter lim="800000"/>
-        </a:ln>
-        <a:effectLst/>
-      </dsp:spPr>
-      <dsp:style>
-        <a:lnRef idx="2">
-          <a:scrgbClr r="0" g="0" b="0"/>
-        </a:lnRef>
-        <a:fillRef idx="1">
-          <a:scrgbClr r="0" g="0" b="0"/>
-        </a:fillRef>
-        <a:effectRef idx="0">
-          <a:scrgbClr r="0" g="0" b="0"/>
-        </a:effectRef>
-        <a:fontRef idx="minor">
-          <a:schemeClr val="lt1"/>
-        </a:fontRef>
-      </dsp:style>
-      <dsp:txBody>
-        <a:bodyPr spcFirstLastPara="0" vert="horz" wrap="square" lIns="121920" tIns="121920" rIns="121920" bIns="121920" numCol="1" spcCol="1270" anchor="ctr" anchorCtr="0">
-          <a:noAutofit/>
-        </a:bodyPr>
-        <a:lstStyle/>
-        <a:p>
-          <a:pPr marL="0" lvl="0" indent="0" algn="l" defTabSz="1422400">
-            <a:lnSpc>
-              <a:spcPct val="90000"/>
-            </a:lnSpc>
-            <a:spcBef>
-              <a:spcPct val="0"/>
-            </a:spcBef>
-            <a:spcAft>
-              <a:spcPct val="35000"/>
-            </a:spcAft>
-            <a:buNone/>
-          </a:pPr>
-          <a:r>
-            <a:rPr lang="nl-NL" sz="3200" kern="1200" dirty="0">
-              <a:latin typeface="Sitka Banner"/>
-            </a:rPr>
-            <a:t>kinect</a:t>
-          </a:r>
-          <a:endParaRPr lang="nl-NL" sz="3200" kern="1200" dirty="0"/>
-        </a:p>
-      </dsp:txBody>
-      <dsp:txXfrm>
-        <a:off x="38638" y="2574565"/>
-        <a:ext cx="5586762" cy="714229"/>
-      </dsp:txXfrm>
-    </dsp:sp>
-    <dsp:sp modelId="{EE36554B-E92E-49D5-B7C1-631F8EE539FC}">
-      <dsp:nvSpPr>
-        <dsp:cNvPr id="0" name=""/>
-        <dsp:cNvSpPr/>
-      </dsp:nvSpPr>
-      <dsp:spPr>
-        <a:xfrm>
-          <a:off x="0" y="3419592"/>
-          <a:ext cx="5664038" cy="791505"/>
+          <a:off x="0" y="3377877"/>
+          <a:ext cx="5664038" cy="1551420"/>
         </a:xfrm>
         <a:prstGeom prst="roundRect">
           <a:avLst/>
@@ -1455,12 +1314,12 @@
         </a:fontRef>
       </dsp:style>
       <dsp:txBody>
-        <a:bodyPr spcFirstLastPara="0" vert="horz" wrap="square" lIns="121920" tIns="121920" rIns="121920" bIns="121920" numCol="1" spcCol="1270" anchor="ctr" anchorCtr="0">
+        <a:bodyPr spcFirstLastPara="0" vert="horz" wrap="square" lIns="148590" tIns="148590" rIns="148590" bIns="148590" numCol="1" spcCol="1270" anchor="ctr" anchorCtr="0">
           <a:noAutofit/>
         </a:bodyPr>
         <a:lstStyle/>
         <a:p>
-          <a:pPr marL="0" lvl="0" indent="0" algn="l" defTabSz="1422400" rtl="0">
+          <a:pPr marL="0" lvl="0" indent="0" algn="l" defTabSz="1733550">
             <a:lnSpc>
               <a:spcPct val="90000"/>
             </a:lnSpc>
@@ -1473,17 +1332,14 @@
             <a:buNone/>
           </a:pPr>
           <a:r>
-            <a:rPr lang="nl-NL" sz="3200" kern="1200" dirty="0">
-              <a:latin typeface="Sitka Banner"/>
-            </a:rPr>
-            <a:t>Misschien vr element</a:t>
+            <a:rPr lang="nl-NL" sz="3900" kern="1200" dirty="0"/>
+            <a:t>mediapipe</a:t>
           </a:r>
-          <a:endParaRPr lang="nl-NL" sz="3200" kern="1200" dirty="0"/>
         </a:p>
       </dsp:txBody>
       <dsp:txXfrm>
-        <a:off x="38638" y="3458230"/>
-        <a:ext cx="5586762" cy="714229"/>
+        <a:off x="75734" y="3453611"/>
+        <a:ext cx="5512570" cy="1399952"/>
       </dsp:txXfrm>
     </dsp:sp>
   </dsp:spTree>
@@ -3112,7 +2968,7 @@
           <a:p>
             <a:fld id="{53BEF823-48A5-43FC-BE03-E79964288B41}" type="datetimeFigureOut">
               <a:rPr lang="en-US" smtClean="0"/>
-              <a:t>3/7/2022</a:t>
+              <a:t>4/12/2022</a:t>
             </a:fld>
             <a:endParaRPr lang="en-US" dirty="0"/>
           </a:p>
@@ -3177,7 +3033,7 @@
             <a:fld id="{D79E6812-DF0E-4B88-AFAA-EAC7168F54C0}" type="slidenum">
               <a:rPr lang="en-US" smtClean="0"/>
               <a:pPr algn="ctr"/>
-              <a:t>‹#›</a:t>
+              <a:t>‹nr.›</a:t>
             </a:fld>
             <a:endParaRPr lang="en-US" dirty="0"/>
           </a:p>
@@ -3323,7 +3179,7 @@
             <a:fld id="{53BEF823-48A5-43FC-BE03-E79964288B41}" type="datetimeFigureOut">
               <a:rPr lang="en-US" smtClean="0"/>
               <a:pPr algn="r"/>
-              <a:t>3/7/2022</a:t>
+              <a:t>4/12/2022</a:t>
             </a:fld>
             <a:endParaRPr lang="en-US" dirty="0"/>
           </a:p>
@@ -3380,7 +3236,7 @@
             <a:fld id="{D79E6812-DF0E-4B88-AFAA-EAC7168F54C0}" type="slidenum">
               <a:rPr lang="en-US" smtClean="0"/>
               <a:pPr algn="ctr"/>
-              <a:t>‹#›</a:t>
+              <a:t>‹nr.›</a:t>
             </a:fld>
             <a:endParaRPr lang="en-US" dirty="0"/>
           </a:p>
@@ -3538,7 +3394,7 @@
             <a:fld id="{53BEF823-48A5-43FC-BE03-E79964288B41}" type="datetimeFigureOut">
               <a:rPr lang="en-US" smtClean="0"/>
               <a:pPr algn="r"/>
-              <a:t>3/7/2022</a:t>
+              <a:t>4/12/2022</a:t>
             </a:fld>
             <a:endParaRPr lang="en-US" dirty="0"/>
           </a:p>
@@ -3595,7 +3451,7 @@
             <a:fld id="{D79E6812-DF0E-4B88-AFAA-EAC7168F54C0}" type="slidenum">
               <a:rPr lang="en-US" smtClean="0"/>
               <a:pPr algn="ctr"/>
-              <a:t>‹#›</a:t>
+              <a:t>‹nr.›</a:t>
             </a:fld>
             <a:endParaRPr lang="en-US" dirty="0"/>
           </a:p>
@@ -3741,7 +3597,7 @@
             <a:fld id="{53BEF823-48A5-43FC-BE03-E79964288B41}" type="datetimeFigureOut">
               <a:rPr lang="en-US" smtClean="0"/>
               <a:pPr algn="r"/>
-              <a:t>3/7/2022</a:t>
+              <a:t>4/12/2022</a:t>
             </a:fld>
             <a:endParaRPr lang="en-US" dirty="0"/>
           </a:p>
@@ -3798,7 +3654,7 @@
             <a:fld id="{D79E6812-DF0E-4B88-AFAA-EAC7168F54C0}" type="slidenum">
               <a:rPr lang="en-US" smtClean="0"/>
               <a:pPr algn="ctr"/>
-              <a:t>‹#›</a:t>
+              <a:t>‹nr.›</a:t>
             </a:fld>
             <a:endParaRPr lang="en-US" dirty="0"/>
           </a:p>
@@ -4025,7 +3881,7 @@
             <a:fld id="{53BEF823-48A5-43FC-BE03-E79964288B41}" type="datetimeFigureOut">
               <a:rPr lang="en-US" smtClean="0"/>
               <a:pPr algn="r"/>
-              <a:t>3/7/2022</a:t>
+              <a:t>4/12/2022</a:t>
             </a:fld>
             <a:endParaRPr lang="en-US" dirty="0"/>
           </a:p>
@@ -4082,7 +3938,7 @@
             <a:fld id="{D79E6812-DF0E-4B88-AFAA-EAC7168F54C0}" type="slidenum">
               <a:rPr lang="en-US" smtClean="0"/>
               <a:pPr algn="ctr"/>
-              <a:t>‹#›</a:t>
+              <a:t>‹nr.›</a:t>
             </a:fld>
             <a:endParaRPr lang="en-US" dirty="0"/>
           </a:p>
@@ -4269,7 +4125,7 @@
             <a:fld id="{53BEF823-48A5-43FC-BE03-E79964288B41}" type="datetimeFigureOut">
               <a:rPr lang="en-US" smtClean="0"/>
               <a:pPr algn="r"/>
-              <a:t>3/7/2022</a:t>
+              <a:t>4/12/2022</a:t>
             </a:fld>
             <a:endParaRPr lang="en-US" dirty="0"/>
           </a:p>
@@ -4326,7 +4182,7 @@
             <a:fld id="{D79E6812-DF0E-4B88-AFAA-EAC7168F54C0}" type="slidenum">
               <a:rPr lang="en-US" smtClean="0"/>
               <a:pPr algn="ctr"/>
-              <a:t>‹#›</a:t>
+              <a:t>‹nr.›</a:t>
             </a:fld>
             <a:endParaRPr lang="en-US" dirty="0"/>
           </a:p>
@@ -4712,7 +4568,7 @@
             <a:fld id="{53BEF823-48A5-43FC-BE03-E79964288B41}" type="datetimeFigureOut">
               <a:rPr lang="en-US" smtClean="0"/>
               <a:pPr algn="r"/>
-              <a:t>3/7/2022</a:t>
+              <a:t>4/12/2022</a:t>
             </a:fld>
             <a:endParaRPr lang="en-US" dirty="0"/>
           </a:p>
@@ -4769,7 +4625,7 @@
             <a:fld id="{D79E6812-DF0E-4B88-AFAA-EAC7168F54C0}" type="slidenum">
               <a:rPr lang="en-US" smtClean="0"/>
               <a:pPr algn="ctr"/>
-              <a:t>‹#›</a:t>
+              <a:t>‹nr.›</a:t>
             </a:fld>
             <a:endParaRPr lang="en-US" dirty="0"/>
           </a:p>
@@ -4858,7 +4714,7 @@
             <a:fld id="{53BEF823-48A5-43FC-BE03-E79964288B41}" type="datetimeFigureOut">
               <a:rPr lang="en-US" smtClean="0"/>
               <a:pPr algn="r"/>
-              <a:t>3/7/2022</a:t>
+              <a:t>4/12/2022</a:t>
             </a:fld>
             <a:endParaRPr lang="en-US" dirty="0"/>
           </a:p>
@@ -4915,7 +4771,7 @@
             <a:fld id="{D79E6812-DF0E-4B88-AFAA-EAC7168F54C0}" type="slidenum">
               <a:rPr lang="en-US" smtClean="0"/>
               <a:pPr algn="ctr"/>
-              <a:t>‹#›</a:t>
+              <a:t>‹nr.›</a:t>
             </a:fld>
             <a:endParaRPr lang="en-US" dirty="0"/>
           </a:p>
@@ -4976,7 +4832,7 @@
             <a:fld id="{53BEF823-48A5-43FC-BE03-E79964288B41}" type="datetimeFigureOut">
               <a:rPr lang="en-US" smtClean="0"/>
               <a:pPr algn="r"/>
-              <a:t>3/7/2022</a:t>
+              <a:t>4/12/2022</a:t>
             </a:fld>
             <a:endParaRPr lang="en-US" dirty="0"/>
           </a:p>
@@ -5033,7 +4889,7 @@
             <a:fld id="{D79E6812-DF0E-4B88-AFAA-EAC7168F54C0}" type="slidenum">
               <a:rPr lang="en-US" smtClean="0"/>
               <a:pPr algn="ctr"/>
-              <a:t>‹#›</a:t>
+              <a:t>‹nr.›</a:t>
             </a:fld>
             <a:endParaRPr lang="en-US" dirty="0"/>
           </a:p>
@@ -5260,7 +5116,7 @@
             <a:fld id="{53BEF823-48A5-43FC-BE03-E79964288B41}" type="datetimeFigureOut">
               <a:rPr lang="en-US" smtClean="0"/>
               <a:pPr algn="r"/>
-              <a:t>3/7/2022</a:t>
+              <a:t>4/12/2022</a:t>
             </a:fld>
             <a:endParaRPr lang="en-US" dirty="0"/>
           </a:p>
@@ -5317,7 +5173,7 @@
             <a:fld id="{D79E6812-DF0E-4B88-AFAA-EAC7168F54C0}" type="slidenum">
               <a:rPr lang="en-US" smtClean="0"/>
               <a:pPr algn="ctr"/>
-              <a:t>‹#›</a:t>
+              <a:t>‹nr.›</a:t>
             </a:fld>
             <a:endParaRPr lang="en-US" dirty="0"/>
           </a:p>
@@ -5555,7 +5411,7 @@
             <a:fld id="{53BEF823-48A5-43FC-BE03-E79964288B41}" type="datetimeFigureOut">
               <a:rPr lang="en-US" smtClean="0"/>
               <a:pPr algn="r"/>
-              <a:t>3/7/2022</a:t>
+              <a:t>4/12/2022</a:t>
             </a:fld>
             <a:endParaRPr lang="en-US" dirty="0"/>
           </a:p>
@@ -5612,7 +5468,7 @@
             <a:fld id="{D79E6812-DF0E-4B88-AFAA-EAC7168F54C0}" type="slidenum">
               <a:rPr lang="en-US" smtClean="0"/>
               <a:pPr algn="ctr"/>
-              <a:t>‹#›</a:t>
+              <a:t>‹nr.›</a:t>
             </a:fld>
             <a:endParaRPr lang="en-US" dirty="0"/>
           </a:p>
@@ -6050,7 +5906,7 @@
             <a:fld id="{53BEF823-48A5-43FC-BE03-E79964288B41}" type="datetimeFigureOut">
               <a:rPr lang="en-US" smtClean="0"/>
               <a:pPr algn="r"/>
-              <a:t>3/7/2022</a:t>
+              <a:t>4/12/2022</a:t>
             </a:fld>
             <a:endParaRPr lang="en-US" dirty="0"/>
           </a:p>
@@ -6142,7 +5998,7 @@
             <a:fld id="{D79E6812-DF0E-4B88-AFAA-EAC7168F54C0}" type="slidenum">
               <a:rPr lang="en-US" smtClean="0"/>
               <a:pPr algn="ctr"/>
-              <a:t>‹#›</a:t>
+              <a:t>‹nr.›</a:t>
             </a:fld>
             <a:endParaRPr lang="en-US" dirty="0"/>
           </a:p>
@@ -8205,7 +8061,7 @@
             <p:ph idx="1"/>
             <p:extLst>
               <p:ext uri="{D42A27DB-BD31-4B8C-83A1-F6EECF244321}">
-                <p14:modId xmlns:p14="http://schemas.microsoft.com/office/powerpoint/2010/main" val="1901017849"/>
+                <p14:modId xmlns:p14="http://schemas.microsoft.com/office/powerpoint/2010/main" val="1925521055"/>
               </p:ext>
             </p:extLst>
           </p:nvPr>
@@ -8302,14 +8158,14 @@
             <p:ph idx="1"/>
             <p:extLst>
               <p:ext uri="{D42A27DB-BD31-4B8C-83A1-F6EECF244321}">
-                <p14:modId xmlns:p14="http://schemas.microsoft.com/office/powerpoint/2010/main" val="576095432"/>
+                <p14:modId xmlns:p14="http://schemas.microsoft.com/office/powerpoint/2010/main" val="1896142553"/>
               </p:ext>
             </p:extLst>
           </p:nvPr>
         </p:nvGraphicFramePr>
         <p:xfrm>
           <a:off x="575929" y="815163"/>
-          <a:ext cx="10897158" cy="5951871"/>
+          <a:ext cx="10897158" cy="5815549"/>
         </p:xfrm>
         <a:graphic>
           <a:graphicData uri="http://schemas.openxmlformats.org/drawingml/2006/table">
@@ -8449,13 +8305,13 @@
                   </a:ext>
                 </a:extLst>
               </a:tr>
-              <a:tr h="1386640">
+              <a:tr h="1521107">
                 <a:tc>
                   <a:txBody>
                     <a:bodyPr/>
                     <a:lstStyle/>
                     <a:p>
-                      <a:endParaRPr lang="en-US"/>
+                      <a:endParaRPr lang="en-US" dirty="0"/>
                     </a:p>
                     <a:p>
                       <a:pPr lvl="0">
@@ -8471,7 +8327,7 @@
                         <a:rPr lang="en-US" dirty="0" err="1"/>
                         <a:t>leapmotion</a:t>
                       </a:r>
-                      <a:endParaRPr lang="en-US"/>
+                      <a:endParaRPr lang="en-US" dirty="0"/>
                     </a:p>
                   </a:txBody>
                   <a:tcPr>
@@ -8525,9 +8381,10 @@
                         <a:buChar char="•"/>
                       </a:pPr>
                       <a:r>
-                        <a:rPr lang="en-US" dirty="0"/>
+                        <a:rPr lang="en-US"/>
                         <a:t>Small</a:t>
                       </a:r>
+                      <a:endParaRPr lang="en-US" dirty="0"/>
                     </a:p>
                     <a:p>
                       <a:pPr marL="285750" lvl="0" indent="-285750">
@@ -8648,7 +8505,7 @@
                     <a:bodyPr/>
                     <a:lstStyle/>
                     <a:p>
-                      <a:endParaRPr lang="en-US"/>
+                      <a:endParaRPr lang="en-US" dirty="0"/>
                     </a:p>
                     <a:p>
                       <a:pPr lvl="0">
@@ -8726,45 +8583,6 @@
                         <a:buChar char="•"/>
                       </a:pPr>
                       <a:r>
-                        <a:rPr lang="en-US" dirty="0"/>
-                        <a:t>Goede </a:t>
-                      </a:r>
-                      <a:r>
-                        <a:rPr lang="en-US" dirty="0" err="1"/>
-                        <a:t>api</a:t>
-                      </a:r>
-                      <a:r>
-                        <a:rPr lang="en-US" dirty="0"/>
-                        <a:t> die </a:t>
-                      </a:r>
-                      <a:r>
-                        <a:rPr lang="en-US" dirty="0" err="1"/>
-                        <a:t>makkelijk</a:t>
-                      </a:r>
-                      <a:r>
-                        <a:rPr lang="en-US" dirty="0"/>
-                        <a:t> is </a:t>
-                      </a:r>
-                      <a:r>
-                        <a:rPr lang="en-US" dirty="0" err="1"/>
-                        <a:t>te</a:t>
-                      </a:r>
-                      <a:r>
-                        <a:rPr lang="en-US" dirty="0"/>
-                        <a:t> </a:t>
-                      </a:r>
-                      <a:r>
-                        <a:rPr lang="en-US" dirty="0" err="1"/>
-                        <a:t>gebruiken</a:t>
-                      </a:r>
-                      <a:endParaRPr lang="en-US" dirty="0"/>
-                    </a:p>
-                    <a:p>
-                      <a:pPr marL="342900" lvl="0" indent="-342900">
-                        <a:buFont typeface="Arial"/>
-                        <a:buChar char="•"/>
-                      </a:pPr>
-                      <a:r>
                         <a:rPr lang="en-US" sz="1800" b="0" i="0" u="none" strike="noStrike" noProof="0" dirty="0">
                           <a:latin typeface="Avenir Next LT Pro"/>
                         </a:rPr>
@@ -8794,30 +8612,9 @@
                         </a:rPr>
                         <a:t>prijs</a:t>
                       </a:r>
-                    </a:p>
-                    <a:p>
-                      <a:pPr marL="342900" lvl="0" indent="-342900">
-                        <a:buFont typeface="Arial"/>
-                        <a:buChar char="•"/>
-                      </a:pPr>
-                      <a:r>
-                        <a:rPr lang="en-US" sz="1800" b="0" i="0" u="none" strike="noStrike" noProof="0" dirty="0">
-                          <a:latin typeface="Avenir Next LT Pro"/>
-                        </a:rPr>
-                        <a:t>Leer er </a:t>
-                      </a:r>
-                      <a:r>
-                        <a:rPr lang="en-US" sz="1800" b="0" i="0" u="none" strike="noStrike" noProof="0" dirty="0" err="1">
-                          <a:latin typeface="Avenir Next LT Pro"/>
-                        </a:rPr>
-                        <a:t>veel</a:t>
-                      </a:r>
-                      <a:r>
-                        <a:rPr lang="en-US" sz="1800" b="0" i="0" u="none" strike="noStrike" noProof="0" dirty="0">
-                          <a:latin typeface="Avenir Next LT Pro"/>
-                        </a:rPr>
-                        <a:t> van</a:t>
-                      </a:r>
+                      <a:endParaRPr lang="en-US" sz="1800" b="0" i="0" u="none" strike="noStrike" noProof="0" dirty="0">
+                        <a:latin typeface="Avenir Next LT Pro"/>
+                      </a:endParaRPr>
                     </a:p>
                   </a:txBody>
                   <a:tcPr>
@@ -8889,7 +8686,7 @@
                     <a:bodyPr/>
                     <a:lstStyle/>
                     <a:p>
-                      <a:endParaRPr lang="en-US"/>
+                      <a:endParaRPr lang="en-US" dirty="0"/>
                     </a:p>
                     <a:p>
                       <a:pPr lvl="0">
@@ -8952,38 +8749,9 @@
                       </a:pPr>
                       <a:r>
                         <a:rPr lang="en-US" dirty="0" err="1"/>
-                        <a:t>veel</a:t>
-                      </a:r>
-                      <a:r>
-                        <a:rPr lang="en-US" dirty="0"/>
-                        <a:t> </a:t>
-                      </a:r>
-                      <a:r>
-                        <a:rPr lang="en-US" dirty="0" err="1"/>
-                        <a:t>documentatie</a:t>
-                      </a:r>
-                      <a:endParaRPr lang="en-US"/>
-                    </a:p>
-                    <a:p>
-                      <a:pPr marL="285750" lvl="0" indent="-285750">
-                        <a:buFont typeface="Arial"/>
-                        <a:buChar char="•"/>
-                      </a:pPr>
-                      <a:r>
-                        <a:rPr lang="en-US" dirty="0"/>
-                        <a:t>Veel solutions</a:t>
-                      </a:r>
-                    </a:p>
-                    <a:p>
-                      <a:pPr marL="285750" lvl="0" indent="-285750">
-                        <a:buFont typeface="Arial"/>
-                        <a:buChar char="•"/>
-                      </a:pPr>
-                      <a:r>
-                        <a:rPr lang="en-US" dirty="0" err="1"/>
                         <a:t>goedkoop</a:t>
                       </a:r>
-                      <a:endParaRPr lang="en-US"/>
+                      <a:endParaRPr lang="en-US" dirty="0"/>
                     </a:p>
                     <a:p>
                       <a:pPr marL="285750" lvl="0" indent="-285750">
@@ -9021,7 +8789,49 @@
                     <a:bodyPr/>
                     <a:lstStyle/>
                     <a:p>
-                      <a:endParaRPr lang="en-US"/>
+                      <a:pPr marL="285750" indent="-285750">
+                        <a:buFont typeface="Arial" panose="020B0604020202020204" pitchFamily="34" charset="0"/>
+                        <a:buChar char="•"/>
+                      </a:pPr>
+                      <a:r>
+                        <a:rPr lang="en-US" dirty="0"/>
+                        <a:t>Minder accurate tracking</a:t>
+                      </a:r>
+                    </a:p>
+                    <a:p>
+                      <a:pPr marL="285750" indent="-285750">
+                        <a:buFont typeface="Arial" panose="020B0604020202020204" pitchFamily="34" charset="0"/>
+                        <a:buChar char="•"/>
+                      </a:pPr>
+                      <a:r>
+                        <a:rPr lang="en-US" dirty="0" err="1"/>
+                        <a:t>Slechte</a:t>
+                      </a:r>
+                      <a:r>
+                        <a:rPr lang="en-US" dirty="0"/>
+                        <a:t> tracking </a:t>
+                      </a:r>
+                      <a:r>
+                        <a:rPr lang="en-US" dirty="0" err="1"/>
+                        <a:t>bij</a:t>
+                      </a:r>
+                      <a:r>
+                        <a:rPr lang="en-US" dirty="0"/>
+                        <a:t> </a:t>
+                      </a:r>
+                      <a:r>
+                        <a:rPr lang="en-US" dirty="0" err="1"/>
+                        <a:t>weinig</a:t>
+                      </a:r>
+                      <a:r>
+                        <a:rPr lang="en-US" dirty="0"/>
+                        <a:t> </a:t>
+                      </a:r>
+                      <a:r>
+                        <a:rPr lang="en-US" dirty="0" err="1"/>
+                        <a:t>licht</a:t>
+                      </a:r>
+                      <a:endParaRPr lang="en-US" dirty="0"/>
                     </a:p>
                   </a:txBody>
                   <a:tcPr>

--- a/Go or No Go presentatie.pptx
+++ b/Go or No Go presentatie.pptx
@@ -7,9 +7,12 @@
   <p:sldIdLst>
     <p:sldId id="256" r:id="rId2"/>
     <p:sldId id="257" r:id="rId3"/>
-    <p:sldId id="258" r:id="rId4"/>
+    <p:sldId id="261" r:id="rId4"/>
     <p:sldId id="259" r:id="rId5"/>
     <p:sldId id="260" r:id="rId6"/>
+    <p:sldId id="258" r:id="rId7"/>
+    <p:sldId id="262" r:id="rId8"/>
+    <p:sldId id="263" r:id="rId9"/>
   </p:sldIdLst>
   <p:sldSz cx="12192000" cy="6858000"/>
   <p:notesSz cx="6858000" cy="9144000"/>
@@ -7481,14 +7484,6 @@
 <file path=ppt/slides/slide3.xml><?xml version="1.0" encoding="utf-8"?>
 <p:sld xmlns:a="http://schemas.openxmlformats.org/drawingml/2006/main" xmlns:r="http://schemas.openxmlformats.org/officeDocument/2006/relationships" xmlns:p="http://schemas.openxmlformats.org/presentationml/2006/main">
   <p:cSld>
-    <p:bg>
-      <p:bgPr>
-        <a:solidFill>
-          <a:schemeClr val="bg2"/>
-        </a:solidFill>
-        <a:effectLst/>
-      </p:bgPr>
-    </p:bg>
     <p:spTree>
       <p:nvGrpSpPr>
         <p:cNvPr id="1" name=""/>
@@ -7503,72 +7498,12 @@
           <a:chExt cx="0" cy="0"/>
         </a:xfrm>
       </p:grpSpPr>
-      <p:sp useBgFill="1">
+      <p:sp>
         <p:nvSpPr>
-          <p:cNvPr id="9" name="Rectangle 8">
+          <p:cNvPr id="2" name="Titel 1">
             <a:extLst>
               <a:ext uri="{FF2B5EF4-FFF2-40B4-BE49-F238E27FC236}">
-                <a16:creationId xmlns:a16="http://schemas.microsoft.com/office/drawing/2014/main" id="{C5176844-69C3-4F79-BE38-EA5BDDF4FEA4}"/>
-              </a:ext>
-              <a:ext uri="{C183D7F6-B498-43B3-948B-1728B52AA6E4}">
-                <adec:decorative xmlns:adec="http://schemas.microsoft.com/office/drawing/2017/decorative" val="1"/>
-              </a:ext>
-            </a:extLst>
-          </p:cNvPr>
-          <p:cNvSpPr>
-            <a:spLocks noGrp="1" noRot="1" noChangeAspect="1" noMove="1" noResize="1" noEditPoints="1" noAdjustHandles="1" noChangeArrowheads="1" noChangeShapeType="1" noTextEdit="1"/>
-          </p:cNvSpPr>
-          <p:nvPr>
-            <p:extLst>
-              <p:ext uri="{386F3935-93C4-4BCD-93E2-E3B085C9AB24}">
-                <p16:designElem xmlns:p16="http://schemas.microsoft.com/office/powerpoint/2015/main" val="1"/>
-              </p:ext>
-            </p:extLst>
-          </p:nvPr>
-        </p:nvSpPr>
-        <p:spPr>
-          <a:xfrm>
-            <a:off x="0" y="0"/>
-            <a:ext cx="12192000" cy="6858000"/>
-          </a:xfrm>
-          <a:prstGeom prst="rect">
-            <a:avLst/>
-          </a:prstGeom>
-          <a:ln>
-            <a:noFill/>
-          </a:ln>
-        </p:spPr>
-        <p:style>
-          <a:lnRef idx="2">
-            <a:schemeClr val="accent1">
-              <a:shade val="50000"/>
-            </a:schemeClr>
-          </a:lnRef>
-          <a:fillRef idx="1">
-            <a:schemeClr val="accent1"/>
-          </a:fillRef>
-          <a:effectRef idx="0">
-            <a:schemeClr val="accent1"/>
-          </a:effectRef>
-          <a:fontRef idx="minor">
-            <a:schemeClr val="lt1"/>
-          </a:fontRef>
-        </p:style>
-        <p:txBody>
-          <a:bodyPr rtlCol="0" anchor="ctr"/>
-          <a:lstStyle/>
-          <a:p>
-            <a:pPr algn="ctr"/>
-            <a:endParaRPr lang="en-US"/>
-          </a:p>
-        </p:txBody>
-      </p:sp>
-      <p:sp>
-        <p:nvSpPr>
-          <p:cNvPr id="2" name="Title 1">
-            <a:extLst>
-              <a:ext uri="{FF2B5EF4-FFF2-40B4-BE49-F238E27FC236}">
-                <a16:creationId xmlns:a16="http://schemas.microsoft.com/office/drawing/2014/main" id="{5A5C6CAA-CABA-49EB-A025-9515938DB09F}"/>
+                <a16:creationId xmlns:a16="http://schemas.microsoft.com/office/drawing/2014/main" id="{68B73003-6C78-4EAD-9895-6147001AA6B3}"/>
               </a:ext>
             </a:extLst>
           </p:cNvPr>
@@ -7579,507 +7514,50 @@
             <p:ph type="title"/>
           </p:nvPr>
         </p:nvSpPr>
-        <p:spPr>
-          <a:xfrm>
-            <a:off x="1068497" y="1063255"/>
-            <a:ext cx="3122148" cy="4807541"/>
-          </a:xfrm>
-        </p:spPr>
+        <p:spPr/>
         <p:txBody>
-          <a:bodyPr>
-            <a:normAutofit/>
-          </a:bodyPr>
+          <a:bodyPr/>
           <a:lstStyle/>
           <a:p>
             <a:r>
-              <a:rPr lang="en-US" dirty="0"/>
-              <a:t>Het idee</a:t>
-            </a:r>
-          </a:p>
-        </p:txBody>
-      </p:sp>
-      <p:cxnSp>
-        <p:nvCxnSpPr>
-          <p:cNvPr id="11" name="Straight Connector 10">
-            <a:extLst>
-              <a:ext uri="{FF2B5EF4-FFF2-40B4-BE49-F238E27FC236}">
-                <a16:creationId xmlns:a16="http://schemas.microsoft.com/office/drawing/2014/main" id="{33862825-C012-4895-A17E-F3D1F62D89DD}"/>
-              </a:ext>
-              <a:ext uri="{C183D7F6-B498-43B3-948B-1728B52AA6E4}">
-                <adec:decorative xmlns:adec="http://schemas.microsoft.com/office/drawing/2017/decorative" val="1"/>
-              </a:ext>
-            </a:extLst>
-          </p:cNvPr>
-          <p:cNvCxnSpPr>
-            <a:cxnSpLocks noGrp="1" noRot="1" noChangeAspect="1" noMove="1" noResize="1" noEditPoints="1" noAdjustHandles="1" noChangeArrowheads="1" noChangeShapeType="1"/>
-          </p:cNvCxnSpPr>
-          <p:nvPr>
-            <p:extLst>
-              <p:ext uri="{386F3935-93C4-4BCD-93E2-E3B085C9AB24}">
-                <p16:designElem xmlns:p16="http://schemas.microsoft.com/office/powerpoint/2015/main" val="1"/>
-              </p:ext>
-            </p:extLst>
-          </p:nvPr>
-        </p:nvCxnSpPr>
-        <p:spPr>
-          <a:xfrm>
-            <a:off x="758952" y="1143293"/>
-            <a:ext cx="0" cy="5714707"/>
-          </a:xfrm>
-          <a:prstGeom prst="line">
-            <a:avLst/>
-          </a:prstGeom>
-          <a:ln w="19050">
-            <a:solidFill>
-              <a:schemeClr val="tx1">
-                <a:lumMod val="85000"/>
-                <a:lumOff val="15000"/>
-              </a:schemeClr>
-            </a:solidFill>
-          </a:ln>
-        </p:spPr>
-        <p:style>
-          <a:lnRef idx="1">
-            <a:schemeClr val="accent1"/>
-          </a:lnRef>
-          <a:fillRef idx="0">
-            <a:schemeClr val="accent1"/>
-          </a:fillRef>
-          <a:effectRef idx="0">
-            <a:schemeClr val="accent1"/>
-          </a:effectRef>
-          <a:fontRef idx="minor">
-            <a:schemeClr val="tx1"/>
-          </a:fontRef>
-        </p:style>
-      </p:cxnSp>
-      <p:sp>
-        <p:nvSpPr>
-          <p:cNvPr id="13" name="Freeform: Shape 12">
-            <a:extLst>
-              <a:ext uri="{FF2B5EF4-FFF2-40B4-BE49-F238E27FC236}">
-                <a16:creationId xmlns:a16="http://schemas.microsoft.com/office/drawing/2014/main" id="{7BB25A96-E96A-4D45-AA98-5275E81FAC84}"/>
-              </a:ext>
-              <a:ext uri="{C183D7F6-B498-43B3-948B-1728B52AA6E4}">
-                <adec:decorative xmlns:adec="http://schemas.microsoft.com/office/drawing/2017/decorative" val="1"/>
-              </a:ext>
-            </a:extLst>
-          </p:cNvPr>
-          <p:cNvSpPr>
-            <a:spLocks noGrp="1" noRot="1" noChangeAspect="1" noMove="1" noResize="1" noEditPoints="1" noAdjustHandles="1" noChangeArrowheads="1" noChangeShapeType="1" noTextEdit="1"/>
-          </p:cNvSpPr>
-          <p:nvPr>
-            <p:extLst>
-              <p:ext uri="{386F3935-93C4-4BCD-93E2-E3B085C9AB24}">
-                <p16:designElem xmlns:p16="http://schemas.microsoft.com/office/powerpoint/2015/main" val="1"/>
-              </p:ext>
-            </p:extLst>
-          </p:nvPr>
-        </p:nvSpPr>
-        <p:spPr>
-          <a:xfrm>
-            <a:off x="4576956" y="0"/>
-            <a:ext cx="7615044" cy="6858000"/>
-          </a:xfrm>
-          <a:custGeom>
-            <a:avLst/>
-            <a:gdLst>
-              <a:gd name="connsiteX0" fmla="*/ 2017353 w 7615044"/>
-              <a:gd name="connsiteY0" fmla="*/ 0 h 6858000"/>
-              <a:gd name="connsiteX1" fmla="*/ 3903088 w 7615044"/>
-              <a:gd name="connsiteY1" fmla="*/ 0 h 6858000"/>
-              <a:gd name="connsiteX2" fmla="*/ 5215066 w 7615044"/>
-              <a:gd name="connsiteY2" fmla="*/ 0 h 6858000"/>
-              <a:gd name="connsiteX3" fmla="*/ 7615044 w 7615044"/>
-              <a:gd name="connsiteY3" fmla="*/ 0 h 6858000"/>
-              <a:gd name="connsiteX4" fmla="*/ 7615044 w 7615044"/>
-              <a:gd name="connsiteY4" fmla="*/ 6858000 h 6858000"/>
-              <a:gd name="connsiteX5" fmla="*/ 5215066 w 7615044"/>
-              <a:gd name="connsiteY5" fmla="*/ 6858000 h 6858000"/>
-              <a:gd name="connsiteX6" fmla="*/ 3903088 w 7615044"/>
-              <a:gd name="connsiteY6" fmla="*/ 6858000 h 6858000"/>
-              <a:gd name="connsiteX7" fmla="*/ 1292431 w 7615044"/>
-              <a:gd name="connsiteY7" fmla="*/ 6858000 h 6858000"/>
-              <a:gd name="connsiteX8" fmla="*/ 1012702 w 7615044"/>
-              <a:gd name="connsiteY8" fmla="*/ 6549681 h 6858000"/>
-              <a:gd name="connsiteX9" fmla="*/ 0 w 7615044"/>
-              <a:gd name="connsiteY9" fmla="*/ 3723759 h 6858000"/>
-              <a:gd name="connsiteX10" fmla="*/ 1955279 w 7615044"/>
-              <a:gd name="connsiteY10" fmla="*/ 39865 h 6858000"/>
-            </a:gdLst>
-            <a:ahLst/>
-            <a:cxnLst>
-              <a:cxn ang="0">
-                <a:pos x="connsiteX0" y="connsiteY0"/>
-              </a:cxn>
-              <a:cxn ang="0">
-                <a:pos x="connsiteX1" y="connsiteY1"/>
-              </a:cxn>
-              <a:cxn ang="0">
-                <a:pos x="connsiteX2" y="connsiteY2"/>
-              </a:cxn>
-              <a:cxn ang="0">
-                <a:pos x="connsiteX3" y="connsiteY3"/>
-              </a:cxn>
-              <a:cxn ang="0">
-                <a:pos x="connsiteX4" y="connsiteY4"/>
-              </a:cxn>
-              <a:cxn ang="0">
-                <a:pos x="connsiteX5" y="connsiteY5"/>
-              </a:cxn>
-              <a:cxn ang="0">
-                <a:pos x="connsiteX6" y="connsiteY6"/>
-              </a:cxn>
-              <a:cxn ang="0">
-                <a:pos x="connsiteX7" y="connsiteY7"/>
-              </a:cxn>
-              <a:cxn ang="0">
-                <a:pos x="connsiteX8" y="connsiteY8"/>
-              </a:cxn>
-              <a:cxn ang="0">
-                <a:pos x="connsiteX9" y="connsiteY9"/>
-              </a:cxn>
-              <a:cxn ang="0">
-                <a:pos x="connsiteX10" y="connsiteY10"/>
-              </a:cxn>
-            </a:cxnLst>
-            <a:rect l="l" t="t" r="r" b="b"/>
-            <a:pathLst>
-              <a:path w="7615044" h="6858000">
-                <a:moveTo>
-                  <a:pt x="2017353" y="0"/>
-                </a:moveTo>
-                <a:lnTo>
-                  <a:pt x="3903088" y="0"/>
-                </a:lnTo>
-                <a:lnTo>
-                  <a:pt x="5215066" y="0"/>
-                </a:lnTo>
-                <a:lnTo>
-                  <a:pt x="7615044" y="0"/>
-                </a:lnTo>
-                <a:lnTo>
-                  <a:pt x="7615044" y="6858000"/>
-                </a:lnTo>
-                <a:lnTo>
-                  <a:pt x="5215066" y="6858000"/>
-                </a:lnTo>
-                <a:lnTo>
-                  <a:pt x="3903088" y="6858000"/>
-                </a:lnTo>
-                <a:lnTo>
-                  <a:pt x="1292431" y="6858000"/>
-                </a:lnTo>
-                <a:lnTo>
-                  <a:pt x="1012702" y="6549681"/>
-                </a:lnTo>
-                <a:cubicBezTo>
-                  <a:pt x="380046" y="5781733"/>
-                  <a:pt x="0" y="4797206"/>
-                  <a:pt x="0" y="3723759"/>
-                </a:cubicBezTo>
-                <a:cubicBezTo>
-                  <a:pt x="0" y="2190263"/>
-                  <a:pt x="775604" y="838237"/>
-                  <a:pt x="1955279" y="39865"/>
-                </a:cubicBezTo>
-                <a:close/>
-              </a:path>
-            </a:pathLst>
-          </a:custGeom>
-          <a:solidFill>
-            <a:schemeClr val="bg1"/>
-          </a:solidFill>
-          <a:ln>
-            <a:noFill/>
-          </a:ln>
-        </p:spPr>
-        <p:style>
-          <a:lnRef idx="2">
-            <a:schemeClr val="accent1">
-              <a:shade val="50000"/>
-            </a:schemeClr>
-          </a:lnRef>
-          <a:fillRef idx="1">
-            <a:schemeClr val="accent1"/>
-          </a:fillRef>
-          <a:effectRef idx="0">
-            <a:schemeClr val="accent1"/>
-          </a:effectRef>
-          <a:fontRef idx="minor">
-            <a:schemeClr val="lt1"/>
-          </a:fontRef>
-        </p:style>
-        <p:txBody>
-          <a:bodyPr wrap="square" rtlCol="0" anchor="ctr">
-            <a:noAutofit/>
-          </a:bodyPr>
-          <a:lstStyle/>
-          <a:p>
-            <a:pPr algn="ctr"/>
-            <a:endParaRPr lang="en-US"/>
+              <a:rPr lang="nl-NL" dirty="0"/>
+              <a:t>voorstellen</a:t>
+            </a:r>
           </a:p>
         </p:txBody>
       </p:sp>
       <p:sp>
         <p:nvSpPr>
-          <p:cNvPr id="15" name="Freeform 6">
+          <p:cNvPr id="3" name="Tijdelijke aanduiding voor inhoud 2">
             <a:extLst>
               <a:ext uri="{FF2B5EF4-FFF2-40B4-BE49-F238E27FC236}">
-                <a16:creationId xmlns:a16="http://schemas.microsoft.com/office/drawing/2014/main" id="{A101E513-AF74-4E9D-A31F-99664250722D}"/>
-              </a:ext>
-              <a:ext uri="{C183D7F6-B498-43B3-948B-1728B52AA6E4}">
-                <adec:decorative xmlns:adec="http://schemas.microsoft.com/office/drawing/2017/decorative" val="1"/>
+                <a16:creationId xmlns:a16="http://schemas.microsoft.com/office/drawing/2014/main" id="{86D5C428-9470-42BA-B876-120B548B4813}"/>
               </a:ext>
             </a:extLst>
           </p:cNvPr>
           <p:cNvSpPr>
-            <a:spLocks noGrp="1" noRot="1" noChangeAspect="1" noMove="1" noResize="1" noEditPoints="1" noAdjustHandles="1" noChangeArrowheads="1" noChangeShapeType="1" noTextEdit="1"/>
+            <a:spLocks noGrp="1"/>
           </p:cNvSpPr>
           <p:nvPr>
-            <p:extLst>
-              <p:ext uri="{386F3935-93C4-4BCD-93E2-E3B085C9AB24}">
-                <p16:designElem xmlns:p16="http://schemas.microsoft.com/office/powerpoint/2015/main" val="1"/>
-              </p:ext>
-            </p:extLst>
+            <p:ph idx="1"/>
           </p:nvPr>
         </p:nvSpPr>
-        <p:spPr bwMode="auto">
-          <a:xfrm>
-            <a:off x="11784011" y="5783564"/>
-            <a:ext cx="407988" cy="819150"/>
-          </a:xfrm>
-          <a:custGeom>
-            <a:avLst/>
-            <a:gdLst/>
-            <a:ahLst/>
-            <a:cxnLst/>
-            <a:rect l="0" t="0" r="r" b="b"/>
-            <a:pathLst>
-              <a:path w="1799" h="3612">
-                <a:moveTo>
-                  <a:pt x="1799" y="0"/>
-                </a:moveTo>
-                <a:lnTo>
-                  <a:pt x="1799" y="3612"/>
-                </a:lnTo>
-                <a:lnTo>
-                  <a:pt x="1686" y="3609"/>
-                </a:lnTo>
-                <a:lnTo>
-                  <a:pt x="1574" y="3598"/>
-                </a:lnTo>
-                <a:lnTo>
-                  <a:pt x="1464" y="3581"/>
-                </a:lnTo>
-                <a:lnTo>
-                  <a:pt x="1357" y="3557"/>
-                </a:lnTo>
-                <a:lnTo>
-                  <a:pt x="1251" y="3527"/>
-                </a:lnTo>
-                <a:lnTo>
-                  <a:pt x="1150" y="3490"/>
-                </a:lnTo>
-                <a:lnTo>
-                  <a:pt x="1050" y="3448"/>
-                </a:lnTo>
-                <a:lnTo>
-                  <a:pt x="953" y="3401"/>
-                </a:lnTo>
-                <a:lnTo>
-                  <a:pt x="860" y="3347"/>
-                </a:lnTo>
-                <a:lnTo>
-                  <a:pt x="771" y="3289"/>
-                </a:lnTo>
-                <a:lnTo>
-                  <a:pt x="686" y="3224"/>
-                </a:lnTo>
-                <a:lnTo>
-                  <a:pt x="604" y="3156"/>
-                </a:lnTo>
-                <a:lnTo>
-                  <a:pt x="527" y="3083"/>
-                </a:lnTo>
-                <a:lnTo>
-                  <a:pt x="454" y="3005"/>
-                </a:lnTo>
-                <a:lnTo>
-                  <a:pt x="386" y="2923"/>
-                </a:lnTo>
-                <a:lnTo>
-                  <a:pt x="323" y="2838"/>
-                </a:lnTo>
-                <a:lnTo>
-                  <a:pt x="265" y="2748"/>
-                </a:lnTo>
-                <a:lnTo>
-                  <a:pt x="211" y="2655"/>
-                </a:lnTo>
-                <a:lnTo>
-                  <a:pt x="163" y="2559"/>
-                </a:lnTo>
-                <a:lnTo>
-                  <a:pt x="121" y="2459"/>
-                </a:lnTo>
-                <a:lnTo>
-                  <a:pt x="85" y="2356"/>
-                </a:lnTo>
-                <a:lnTo>
-                  <a:pt x="55" y="2251"/>
-                </a:lnTo>
-                <a:lnTo>
-                  <a:pt x="32" y="2143"/>
-                </a:lnTo>
-                <a:lnTo>
-                  <a:pt x="14" y="2033"/>
-                </a:lnTo>
-                <a:lnTo>
-                  <a:pt x="4" y="1920"/>
-                </a:lnTo>
-                <a:lnTo>
-                  <a:pt x="0" y="1806"/>
-                </a:lnTo>
-                <a:lnTo>
-                  <a:pt x="4" y="1692"/>
-                </a:lnTo>
-                <a:lnTo>
-                  <a:pt x="14" y="1580"/>
-                </a:lnTo>
-                <a:lnTo>
-                  <a:pt x="32" y="1469"/>
-                </a:lnTo>
-                <a:lnTo>
-                  <a:pt x="55" y="1362"/>
-                </a:lnTo>
-                <a:lnTo>
-                  <a:pt x="85" y="1256"/>
-                </a:lnTo>
-                <a:lnTo>
-                  <a:pt x="121" y="1154"/>
-                </a:lnTo>
-                <a:lnTo>
-                  <a:pt x="163" y="1054"/>
-                </a:lnTo>
-                <a:lnTo>
-                  <a:pt x="211" y="958"/>
-                </a:lnTo>
-                <a:lnTo>
-                  <a:pt x="265" y="864"/>
-                </a:lnTo>
-                <a:lnTo>
-                  <a:pt x="323" y="774"/>
-                </a:lnTo>
-                <a:lnTo>
-                  <a:pt x="386" y="689"/>
-                </a:lnTo>
-                <a:lnTo>
-                  <a:pt x="454" y="607"/>
-                </a:lnTo>
-                <a:lnTo>
-                  <a:pt x="527" y="529"/>
-                </a:lnTo>
-                <a:lnTo>
-                  <a:pt x="604" y="456"/>
-                </a:lnTo>
-                <a:lnTo>
-                  <a:pt x="686" y="388"/>
-                </a:lnTo>
-                <a:lnTo>
-                  <a:pt x="771" y="325"/>
-                </a:lnTo>
-                <a:lnTo>
-                  <a:pt x="860" y="266"/>
-                </a:lnTo>
-                <a:lnTo>
-                  <a:pt x="953" y="212"/>
-                </a:lnTo>
-                <a:lnTo>
-                  <a:pt x="1050" y="164"/>
-                </a:lnTo>
-                <a:lnTo>
-                  <a:pt x="1150" y="122"/>
-                </a:lnTo>
-                <a:lnTo>
-                  <a:pt x="1251" y="85"/>
-                </a:lnTo>
-                <a:lnTo>
-                  <a:pt x="1357" y="55"/>
-                </a:lnTo>
-                <a:lnTo>
-                  <a:pt x="1464" y="32"/>
-                </a:lnTo>
-                <a:lnTo>
-                  <a:pt x="1574" y="14"/>
-                </a:lnTo>
-                <a:lnTo>
-                  <a:pt x="1686" y="5"/>
-                </a:lnTo>
-                <a:lnTo>
-                  <a:pt x="1799" y="0"/>
-                </a:lnTo>
-                <a:close/>
-              </a:path>
-            </a:pathLst>
-          </a:custGeom>
-          <a:solidFill>
-            <a:schemeClr val="tx1">
-              <a:lumMod val="85000"/>
-              <a:lumOff val="15000"/>
-            </a:schemeClr>
-          </a:solidFill>
-          <a:ln w="0">
-            <a:noFill/>
-            <a:prstDash val="solid"/>
-            <a:round/>
-            <a:headEnd/>
-            <a:tailEnd/>
-          </a:ln>
-        </p:spPr>
+        <p:spPr/>
         <p:txBody>
-          <a:bodyPr anchor="ctr"/>
+          <a:bodyPr/>
           <a:lstStyle/>
           <a:p>
-            <a:endParaRPr lang="en-US"/>
+            <a:r>
+              <a:rPr lang="nl-NL" dirty="0"/>
+              <a:t>Thom Koper SD2D</a:t>
+            </a:r>
           </a:p>
         </p:txBody>
       </p:sp>
-      <p:graphicFrame>
-        <p:nvGraphicFramePr>
-          <p:cNvPr id="5" name="Content Placeholder 2">
-            <a:extLst>
-              <a:ext uri="{FF2B5EF4-FFF2-40B4-BE49-F238E27FC236}">
-                <a16:creationId xmlns:a16="http://schemas.microsoft.com/office/drawing/2014/main" id="{804D4E1E-0380-44C1-932A-1EDC10E78FDC}"/>
-              </a:ext>
-            </a:extLst>
-          </p:cNvPr>
-          <p:cNvGraphicFramePr>
-            <a:graphicFrameLocks noGrp="1"/>
-          </p:cNvGraphicFramePr>
-          <p:nvPr>
-            <p:ph idx="1"/>
-            <p:extLst>
-              <p:ext uri="{D42A27DB-BD31-4B8C-83A1-F6EECF244321}">
-                <p14:modId xmlns:p14="http://schemas.microsoft.com/office/powerpoint/2010/main" val="1925521055"/>
-              </p:ext>
-            </p:extLst>
-          </p:nvPr>
-        </p:nvGraphicFramePr>
-        <p:xfrm>
-          <a:off x="5765962" y="972642"/>
-          <a:ext cx="5664038" cy="4979694"/>
-        </p:xfrm>
-        <a:graphic>
-          <a:graphicData uri="http://schemas.openxmlformats.org/drawingml/2006/diagram">
-            <dgm:relIds xmlns:dgm="http://schemas.openxmlformats.org/drawingml/2006/diagram" xmlns:r="http://schemas.openxmlformats.org/officeDocument/2006/relationships" r:dm="rId2" r:lo="rId3" r:qs="rId4" r:cs="rId5"/>
-          </a:graphicData>
-        </a:graphic>
-      </p:graphicFrame>
     </p:spTree>
     <p:extLst>
       <p:ext uri="{BB962C8B-B14F-4D97-AF65-F5344CB8AC3E}">
-        <p14:creationId xmlns:p14="http://schemas.microsoft.com/office/powerpoint/2010/main" val="3639629836"/>
+        <p14:creationId xmlns:p14="http://schemas.microsoft.com/office/powerpoint/2010/main" val="3028423780"/>
       </p:ext>
     </p:extLst>
   </p:cSld>
@@ -8381,10 +7859,9 @@
                         <a:buChar char="•"/>
                       </a:pPr>
                       <a:r>
-                        <a:rPr lang="en-US"/>
+                        <a:rPr lang="en-US" dirty="0"/>
                         <a:t>Small</a:t>
                       </a:r>
-                      <a:endParaRPr lang="en-US" dirty="0"/>
                     </a:p>
                     <a:p>
                       <a:pPr marL="285750" lvl="0" indent="-285750">
@@ -9065,6 +8542,834 @@
 </p:sld>
 </file>
 
+<file path=ppt/slides/slide6.xml><?xml version="1.0" encoding="utf-8"?>
+<p:sld xmlns:a="http://schemas.openxmlformats.org/drawingml/2006/main" xmlns:r="http://schemas.openxmlformats.org/officeDocument/2006/relationships" xmlns:p="http://schemas.openxmlformats.org/presentationml/2006/main">
+  <p:cSld>
+    <p:bg>
+      <p:bgPr>
+        <a:solidFill>
+          <a:schemeClr val="bg2"/>
+        </a:solidFill>
+        <a:effectLst/>
+      </p:bgPr>
+    </p:bg>
+    <p:spTree>
+      <p:nvGrpSpPr>
+        <p:cNvPr id="1" name=""/>
+        <p:cNvGrpSpPr/>
+        <p:nvPr/>
+      </p:nvGrpSpPr>
+      <p:grpSpPr>
+        <a:xfrm>
+          <a:off x="0" y="0"/>
+          <a:ext cx="0" cy="0"/>
+          <a:chOff x="0" y="0"/>
+          <a:chExt cx="0" cy="0"/>
+        </a:xfrm>
+      </p:grpSpPr>
+      <p:sp useBgFill="1">
+        <p:nvSpPr>
+          <p:cNvPr id="9" name="Rectangle 8">
+            <a:extLst>
+              <a:ext uri="{FF2B5EF4-FFF2-40B4-BE49-F238E27FC236}">
+                <a16:creationId xmlns:a16="http://schemas.microsoft.com/office/drawing/2014/main" id="{C5176844-69C3-4F79-BE38-EA5BDDF4FEA4}"/>
+              </a:ext>
+              <a:ext uri="{C183D7F6-B498-43B3-948B-1728B52AA6E4}">
+                <adec:decorative xmlns:adec="http://schemas.microsoft.com/office/drawing/2017/decorative" val="1"/>
+              </a:ext>
+            </a:extLst>
+          </p:cNvPr>
+          <p:cNvSpPr>
+            <a:spLocks noGrp="1" noRot="1" noChangeAspect="1" noMove="1" noResize="1" noEditPoints="1" noAdjustHandles="1" noChangeArrowheads="1" noChangeShapeType="1" noTextEdit="1"/>
+          </p:cNvSpPr>
+          <p:nvPr>
+            <p:extLst>
+              <p:ext uri="{386F3935-93C4-4BCD-93E2-E3B085C9AB24}">
+                <p16:designElem xmlns:p16="http://schemas.microsoft.com/office/powerpoint/2015/main" val="1"/>
+              </p:ext>
+            </p:extLst>
+          </p:nvPr>
+        </p:nvSpPr>
+        <p:spPr>
+          <a:xfrm>
+            <a:off x="0" y="0"/>
+            <a:ext cx="12192000" cy="6858000"/>
+          </a:xfrm>
+          <a:prstGeom prst="rect">
+            <a:avLst/>
+          </a:prstGeom>
+          <a:ln>
+            <a:noFill/>
+          </a:ln>
+        </p:spPr>
+        <p:style>
+          <a:lnRef idx="2">
+            <a:schemeClr val="accent1">
+              <a:shade val="50000"/>
+            </a:schemeClr>
+          </a:lnRef>
+          <a:fillRef idx="1">
+            <a:schemeClr val="accent1"/>
+          </a:fillRef>
+          <a:effectRef idx="0">
+            <a:schemeClr val="accent1"/>
+          </a:effectRef>
+          <a:fontRef idx="minor">
+            <a:schemeClr val="lt1"/>
+          </a:fontRef>
+        </p:style>
+        <p:txBody>
+          <a:bodyPr rtlCol="0" anchor="ctr"/>
+          <a:lstStyle/>
+          <a:p>
+            <a:pPr algn="ctr"/>
+            <a:endParaRPr lang="en-US"/>
+          </a:p>
+        </p:txBody>
+      </p:sp>
+      <p:sp>
+        <p:nvSpPr>
+          <p:cNvPr id="2" name="Title 1">
+            <a:extLst>
+              <a:ext uri="{FF2B5EF4-FFF2-40B4-BE49-F238E27FC236}">
+                <a16:creationId xmlns:a16="http://schemas.microsoft.com/office/drawing/2014/main" id="{5A5C6CAA-CABA-49EB-A025-9515938DB09F}"/>
+              </a:ext>
+            </a:extLst>
+          </p:cNvPr>
+          <p:cNvSpPr>
+            <a:spLocks noGrp="1"/>
+          </p:cNvSpPr>
+          <p:nvPr>
+            <p:ph type="title"/>
+          </p:nvPr>
+        </p:nvSpPr>
+        <p:spPr>
+          <a:xfrm>
+            <a:off x="1068497" y="1063255"/>
+            <a:ext cx="3122148" cy="4807541"/>
+          </a:xfrm>
+        </p:spPr>
+        <p:txBody>
+          <a:bodyPr>
+            <a:normAutofit/>
+          </a:bodyPr>
+          <a:lstStyle/>
+          <a:p>
+            <a:r>
+              <a:rPr lang="en-US" dirty="0"/>
+              <a:t>Het idee</a:t>
+            </a:r>
+          </a:p>
+        </p:txBody>
+      </p:sp>
+      <p:cxnSp>
+        <p:nvCxnSpPr>
+          <p:cNvPr id="11" name="Straight Connector 10">
+            <a:extLst>
+              <a:ext uri="{FF2B5EF4-FFF2-40B4-BE49-F238E27FC236}">
+                <a16:creationId xmlns:a16="http://schemas.microsoft.com/office/drawing/2014/main" id="{33862825-C012-4895-A17E-F3D1F62D89DD}"/>
+              </a:ext>
+              <a:ext uri="{C183D7F6-B498-43B3-948B-1728B52AA6E4}">
+                <adec:decorative xmlns:adec="http://schemas.microsoft.com/office/drawing/2017/decorative" val="1"/>
+              </a:ext>
+            </a:extLst>
+          </p:cNvPr>
+          <p:cNvCxnSpPr>
+            <a:cxnSpLocks noGrp="1" noRot="1" noChangeAspect="1" noMove="1" noResize="1" noEditPoints="1" noAdjustHandles="1" noChangeArrowheads="1" noChangeShapeType="1"/>
+          </p:cNvCxnSpPr>
+          <p:nvPr>
+            <p:extLst>
+              <p:ext uri="{386F3935-93C4-4BCD-93E2-E3B085C9AB24}">
+                <p16:designElem xmlns:p16="http://schemas.microsoft.com/office/powerpoint/2015/main" val="1"/>
+              </p:ext>
+            </p:extLst>
+          </p:nvPr>
+        </p:nvCxnSpPr>
+        <p:spPr>
+          <a:xfrm>
+            <a:off x="758952" y="1143293"/>
+            <a:ext cx="0" cy="5714707"/>
+          </a:xfrm>
+          <a:prstGeom prst="line">
+            <a:avLst/>
+          </a:prstGeom>
+          <a:ln w="19050">
+            <a:solidFill>
+              <a:schemeClr val="tx1">
+                <a:lumMod val="85000"/>
+                <a:lumOff val="15000"/>
+              </a:schemeClr>
+            </a:solidFill>
+          </a:ln>
+        </p:spPr>
+        <p:style>
+          <a:lnRef idx="1">
+            <a:schemeClr val="accent1"/>
+          </a:lnRef>
+          <a:fillRef idx="0">
+            <a:schemeClr val="accent1"/>
+          </a:fillRef>
+          <a:effectRef idx="0">
+            <a:schemeClr val="accent1"/>
+          </a:effectRef>
+          <a:fontRef idx="minor">
+            <a:schemeClr val="tx1"/>
+          </a:fontRef>
+        </p:style>
+      </p:cxnSp>
+      <p:sp>
+        <p:nvSpPr>
+          <p:cNvPr id="13" name="Freeform: Shape 12">
+            <a:extLst>
+              <a:ext uri="{FF2B5EF4-FFF2-40B4-BE49-F238E27FC236}">
+                <a16:creationId xmlns:a16="http://schemas.microsoft.com/office/drawing/2014/main" id="{7BB25A96-E96A-4D45-AA98-5275E81FAC84}"/>
+              </a:ext>
+              <a:ext uri="{C183D7F6-B498-43B3-948B-1728B52AA6E4}">
+                <adec:decorative xmlns:adec="http://schemas.microsoft.com/office/drawing/2017/decorative" val="1"/>
+              </a:ext>
+            </a:extLst>
+          </p:cNvPr>
+          <p:cNvSpPr>
+            <a:spLocks noGrp="1" noRot="1" noChangeAspect="1" noMove="1" noResize="1" noEditPoints="1" noAdjustHandles="1" noChangeArrowheads="1" noChangeShapeType="1" noTextEdit="1"/>
+          </p:cNvSpPr>
+          <p:nvPr>
+            <p:extLst>
+              <p:ext uri="{386F3935-93C4-4BCD-93E2-E3B085C9AB24}">
+                <p16:designElem xmlns:p16="http://schemas.microsoft.com/office/powerpoint/2015/main" val="1"/>
+              </p:ext>
+            </p:extLst>
+          </p:nvPr>
+        </p:nvSpPr>
+        <p:spPr>
+          <a:xfrm>
+            <a:off x="4576956" y="0"/>
+            <a:ext cx="7615044" cy="6858000"/>
+          </a:xfrm>
+          <a:custGeom>
+            <a:avLst/>
+            <a:gdLst>
+              <a:gd name="connsiteX0" fmla="*/ 2017353 w 7615044"/>
+              <a:gd name="connsiteY0" fmla="*/ 0 h 6858000"/>
+              <a:gd name="connsiteX1" fmla="*/ 3903088 w 7615044"/>
+              <a:gd name="connsiteY1" fmla="*/ 0 h 6858000"/>
+              <a:gd name="connsiteX2" fmla="*/ 5215066 w 7615044"/>
+              <a:gd name="connsiteY2" fmla="*/ 0 h 6858000"/>
+              <a:gd name="connsiteX3" fmla="*/ 7615044 w 7615044"/>
+              <a:gd name="connsiteY3" fmla="*/ 0 h 6858000"/>
+              <a:gd name="connsiteX4" fmla="*/ 7615044 w 7615044"/>
+              <a:gd name="connsiteY4" fmla="*/ 6858000 h 6858000"/>
+              <a:gd name="connsiteX5" fmla="*/ 5215066 w 7615044"/>
+              <a:gd name="connsiteY5" fmla="*/ 6858000 h 6858000"/>
+              <a:gd name="connsiteX6" fmla="*/ 3903088 w 7615044"/>
+              <a:gd name="connsiteY6" fmla="*/ 6858000 h 6858000"/>
+              <a:gd name="connsiteX7" fmla="*/ 1292431 w 7615044"/>
+              <a:gd name="connsiteY7" fmla="*/ 6858000 h 6858000"/>
+              <a:gd name="connsiteX8" fmla="*/ 1012702 w 7615044"/>
+              <a:gd name="connsiteY8" fmla="*/ 6549681 h 6858000"/>
+              <a:gd name="connsiteX9" fmla="*/ 0 w 7615044"/>
+              <a:gd name="connsiteY9" fmla="*/ 3723759 h 6858000"/>
+              <a:gd name="connsiteX10" fmla="*/ 1955279 w 7615044"/>
+              <a:gd name="connsiteY10" fmla="*/ 39865 h 6858000"/>
+            </a:gdLst>
+            <a:ahLst/>
+            <a:cxnLst>
+              <a:cxn ang="0">
+                <a:pos x="connsiteX0" y="connsiteY0"/>
+              </a:cxn>
+              <a:cxn ang="0">
+                <a:pos x="connsiteX1" y="connsiteY1"/>
+              </a:cxn>
+              <a:cxn ang="0">
+                <a:pos x="connsiteX2" y="connsiteY2"/>
+              </a:cxn>
+              <a:cxn ang="0">
+                <a:pos x="connsiteX3" y="connsiteY3"/>
+              </a:cxn>
+              <a:cxn ang="0">
+                <a:pos x="connsiteX4" y="connsiteY4"/>
+              </a:cxn>
+              <a:cxn ang="0">
+                <a:pos x="connsiteX5" y="connsiteY5"/>
+              </a:cxn>
+              <a:cxn ang="0">
+                <a:pos x="connsiteX6" y="connsiteY6"/>
+              </a:cxn>
+              <a:cxn ang="0">
+                <a:pos x="connsiteX7" y="connsiteY7"/>
+              </a:cxn>
+              <a:cxn ang="0">
+                <a:pos x="connsiteX8" y="connsiteY8"/>
+              </a:cxn>
+              <a:cxn ang="0">
+                <a:pos x="connsiteX9" y="connsiteY9"/>
+              </a:cxn>
+              <a:cxn ang="0">
+                <a:pos x="connsiteX10" y="connsiteY10"/>
+              </a:cxn>
+            </a:cxnLst>
+            <a:rect l="l" t="t" r="r" b="b"/>
+            <a:pathLst>
+              <a:path w="7615044" h="6858000">
+                <a:moveTo>
+                  <a:pt x="2017353" y="0"/>
+                </a:moveTo>
+                <a:lnTo>
+                  <a:pt x="3903088" y="0"/>
+                </a:lnTo>
+                <a:lnTo>
+                  <a:pt x="5215066" y="0"/>
+                </a:lnTo>
+                <a:lnTo>
+                  <a:pt x="7615044" y="0"/>
+                </a:lnTo>
+                <a:lnTo>
+                  <a:pt x="7615044" y="6858000"/>
+                </a:lnTo>
+                <a:lnTo>
+                  <a:pt x="5215066" y="6858000"/>
+                </a:lnTo>
+                <a:lnTo>
+                  <a:pt x="3903088" y="6858000"/>
+                </a:lnTo>
+                <a:lnTo>
+                  <a:pt x="1292431" y="6858000"/>
+                </a:lnTo>
+                <a:lnTo>
+                  <a:pt x="1012702" y="6549681"/>
+                </a:lnTo>
+                <a:cubicBezTo>
+                  <a:pt x="380046" y="5781733"/>
+                  <a:pt x="0" y="4797206"/>
+                  <a:pt x="0" y="3723759"/>
+                </a:cubicBezTo>
+                <a:cubicBezTo>
+                  <a:pt x="0" y="2190263"/>
+                  <a:pt x="775604" y="838237"/>
+                  <a:pt x="1955279" y="39865"/>
+                </a:cubicBezTo>
+                <a:close/>
+              </a:path>
+            </a:pathLst>
+          </a:custGeom>
+          <a:solidFill>
+            <a:schemeClr val="bg1"/>
+          </a:solidFill>
+          <a:ln>
+            <a:noFill/>
+          </a:ln>
+        </p:spPr>
+        <p:style>
+          <a:lnRef idx="2">
+            <a:schemeClr val="accent1">
+              <a:shade val="50000"/>
+            </a:schemeClr>
+          </a:lnRef>
+          <a:fillRef idx="1">
+            <a:schemeClr val="accent1"/>
+          </a:fillRef>
+          <a:effectRef idx="0">
+            <a:schemeClr val="accent1"/>
+          </a:effectRef>
+          <a:fontRef idx="minor">
+            <a:schemeClr val="lt1"/>
+          </a:fontRef>
+        </p:style>
+        <p:txBody>
+          <a:bodyPr wrap="square" rtlCol="0" anchor="ctr">
+            <a:noAutofit/>
+          </a:bodyPr>
+          <a:lstStyle/>
+          <a:p>
+            <a:pPr algn="ctr"/>
+            <a:endParaRPr lang="en-US"/>
+          </a:p>
+        </p:txBody>
+      </p:sp>
+      <p:sp>
+        <p:nvSpPr>
+          <p:cNvPr id="15" name="Freeform 6">
+            <a:extLst>
+              <a:ext uri="{FF2B5EF4-FFF2-40B4-BE49-F238E27FC236}">
+                <a16:creationId xmlns:a16="http://schemas.microsoft.com/office/drawing/2014/main" id="{A101E513-AF74-4E9D-A31F-99664250722D}"/>
+              </a:ext>
+              <a:ext uri="{C183D7F6-B498-43B3-948B-1728B52AA6E4}">
+                <adec:decorative xmlns:adec="http://schemas.microsoft.com/office/drawing/2017/decorative" val="1"/>
+              </a:ext>
+            </a:extLst>
+          </p:cNvPr>
+          <p:cNvSpPr>
+            <a:spLocks noGrp="1" noRot="1" noChangeAspect="1" noMove="1" noResize="1" noEditPoints="1" noAdjustHandles="1" noChangeArrowheads="1" noChangeShapeType="1" noTextEdit="1"/>
+          </p:cNvSpPr>
+          <p:nvPr>
+            <p:extLst>
+              <p:ext uri="{386F3935-93C4-4BCD-93E2-E3B085C9AB24}">
+                <p16:designElem xmlns:p16="http://schemas.microsoft.com/office/powerpoint/2015/main" val="1"/>
+              </p:ext>
+            </p:extLst>
+          </p:nvPr>
+        </p:nvSpPr>
+        <p:spPr bwMode="auto">
+          <a:xfrm>
+            <a:off x="11784011" y="5783564"/>
+            <a:ext cx="407988" cy="819150"/>
+          </a:xfrm>
+          <a:custGeom>
+            <a:avLst/>
+            <a:gdLst/>
+            <a:ahLst/>
+            <a:cxnLst/>
+            <a:rect l="0" t="0" r="r" b="b"/>
+            <a:pathLst>
+              <a:path w="1799" h="3612">
+                <a:moveTo>
+                  <a:pt x="1799" y="0"/>
+                </a:moveTo>
+                <a:lnTo>
+                  <a:pt x="1799" y="3612"/>
+                </a:lnTo>
+                <a:lnTo>
+                  <a:pt x="1686" y="3609"/>
+                </a:lnTo>
+                <a:lnTo>
+                  <a:pt x="1574" y="3598"/>
+                </a:lnTo>
+                <a:lnTo>
+                  <a:pt x="1464" y="3581"/>
+                </a:lnTo>
+                <a:lnTo>
+                  <a:pt x="1357" y="3557"/>
+                </a:lnTo>
+                <a:lnTo>
+                  <a:pt x="1251" y="3527"/>
+                </a:lnTo>
+                <a:lnTo>
+                  <a:pt x="1150" y="3490"/>
+                </a:lnTo>
+                <a:lnTo>
+                  <a:pt x="1050" y="3448"/>
+                </a:lnTo>
+                <a:lnTo>
+                  <a:pt x="953" y="3401"/>
+                </a:lnTo>
+                <a:lnTo>
+                  <a:pt x="860" y="3347"/>
+                </a:lnTo>
+                <a:lnTo>
+                  <a:pt x="771" y="3289"/>
+                </a:lnTo>
+                <a:lnTo>
+                  <a:pt x="686" y="3224"/>
+                </a:lnTo>
+                <a:lnTo>
+                  <a:pt x="604" y="3156"/>
+                </a:lnTo>
+                <a:lnTo>
+                  <a:pt x="527" y="3083"/>
+                </a:lnTo>
+                <a:lnTo>
+                  <a:pt x="454" y="3005"/>
+                </a:lnTo>
+                <a:lnTo>
+                  <a:pt x="386" y="2923"/>
+                </a:lnTo>
+                <a:lnTo>
+                  <a:pt x="323" y="2838"/>
+                </a:lnTo>
+                <a:lnTo>
+                  <a:pt x="265" y="2748"/>
+                </a:lnTo>
+                <a:lnTo>
+                  <a:pt x="211" y="2655"/>
+                </a:lnTo>
+                <a:lnTo>
+                  <a:pt x="163" y="2559"/>
+                </a:lnTo>
+                <a:lnTo>
+                  <a:pt x="121" y="2459"/>
+                </a:lnTo>
+                <a:lnTo>
+                  <a:pt x="85" y="2356"/>
+                </a:lnTo>
+                <a:lnTo>
+                  <a:pt x="55" y="2251"/>
+                </a:lnTo>
+                <a:lnTo>
+                  <a:pt x="32" y="2143"/>
+                </a:lnTo>
+                <a:lnTo>
+                  <a:pt x="14" y="2033"/>
+                </a:lnTo>
+                <a:lnTo>
+                  <a:pt x="4" y="1920"/>
+                </a:lnTo>
+                <a:lnTo>
+                  <a:pt x="0" y="1806"/>
+                </a:lnTo>
+                <a:lnTo>
+                  <a:pt x="4" y="1692"/>
+                </a:lnTo>
+                <a:lnTo>
+                  <a:pt x="14" y="1580"/>
+                </a:lnTo>
+                <a:lnTo>
+                  <a:pt x="32" y="1469"/>
+                </a:lnTo>
+                <a:lnTo>
+                  <a:pt x="55" y="1362"/>
+                </a:lnTo>
+                <a:lnTo>
+                  <a:pt x="85" y="1256"/>
+                </a:lnTo>
+                <a:lnTo>
+                  <a:pt x="121" y="1154"/>
+                </a:lnTo>
+                <a:lnTo>
+                  <a:pt x="163" y="1054"/>
+                </a:lnTo>
+                <a:lnTo>
+                  <a:pt x="211" y="958"/>
+                </a:lnTo>
+                <a:lnTo>
+                  <a:pt x="265" y="864"/>
+                </a:lnTo>
+                <a:lnTo>
+                  <a:pt x="323" y="774"/>
+                </a:lnTo>
+                <a:lnTo>
+                  <a:pt x="386" y="689"/>
+                </a:lnTo>
+                <a:lnTo>
+                  <a:pt x="454" y="607"/>
+                </a:lnTo>
+                <a:lnTo>
+                  <a:pt x="527" y="529"/>
+                </a:lnTo>
+                <a:lnTo>
+                  <a:pt x="604" y="456"/>
+                </a:lnTo>
+                <a:lnTo>
+                  <a:pt x="686" y="388"/>
+                </a:lnTo>
+                <a:lnTo>
+                  <a:pt x="771" y="325"/>
+                </a:lnTo>
+                <a:lnTo>
+                  <a:pt x="860" y="266"/>
+                </a:lnTo>
+                <a:lnTo>
+                  <a:pt x="953" y="212"/>
+                </a:lnTo>
+                <a:lnTo>
+                  <a:pt x="1050" y="164"/>
+                </a:lnTo>
+                <a:lnTo>
+                  <a:pt x="1150" y="122"/>
+                </a:lnTo>
+                <a:lnTo>
+                  <a:pt x="1251" y="85"/>
+                </a:lnTo>
+                <a:lnTo>
+                  <a:pt x="1357" y="55"/>
+                </a:lnTo>
+                <a:lnTo>
+                  <a:pt x="1464" y="32"/>
+                </a:lnTo>
+                <a:lnTo>
+                  <a:pt x="1574" y="14"/>
+                </a:lnTo>
+                <a:lnTo>
+                  <a:pt x="1686" y="5"/>
+                </a:lnTo>
+                <a:lnTo>
+                  <a:pt x="1799" y="0"/>
+                </a:lnTo>
+                <a:close/>
+              </a:path>
+            </a:pathLst>
+          </a:custGeom>
+          <a:solidFill>
+            <a:schemeClr val="tx1">
+              <a:lumMod val="85000"/>
+              <a:lumOff val="15000"/>
+            </a:schemeClr>
+          </a:solidFill>
+          <a:ln w="0">
+            <a:noFill/>
+            <a:prstDash val="solid"/>
+            <a:round/>
+            <a:headEnd/>
+            <a:tailEnd/>
+          </a:ln>
+        </p:spPr>
+        <p:txBody>
+          <a:bodyPr anchor="ctr"/>
+          <a:lstStyle/>
+          <a:p>
+            <a:endParaRPr lang="en-US"/>
+          </a:p>
+        </p:txBody>
+      </p:sp>
+      <p:graphicFrame>
+        <p:nvGraphicFramePr>
+          <p:cNvPr id="5" name="Content Placeholder 2">
+            <a:extLst>
+              <a:ext uri="{FF2B5EF4-FFF2-40B4-BE49-F238E27FC236}">
+                <a16:creationId xmlns:a16="http://schemas.microsoft.com/office/drawing/2014/main" id="{804D4E1E-0380-44C1-932A-1EDC10E78FDC}"/>
+              </a:ext>
+            </a:extLst>
+          </p:cNvPr>
+          <p:cNvGraphicFramePr>
+            <a:graphicFrameLocks noGrp="1"/>
+          </p:cNvGraphicFramePr>
+          <p:nvPr>
+            <p:ph idx="1"/>
+            <p:extLst>
+              <p:ext uri="{D42A27DB-BD31-4B8C-83A1-F6EECF244321}">
+                <p14:modId xmlns:p14="http://schemas.microsoft.com/office/powerpoint/2010/main" val="1925521055"/>
+              </p:ext>
+            </p:extLst>
+          </p:nvPr>
+        </p:nvGraphicFramePr>
+        <p:xfrm>
+          <a:off x="5765962" y="972642"/>
+          <a:ext cx="5664038" cy="4979694"/>
+        </p:xfrm>
+        <a:graphic>
+          <a:graphicData uri="http://schemas.openxmlformats.org/drawingml/2006/diagram">
+            <dgm:relIds xmlns:dgm="http://schemas.openxmlformats.org/drawingml/2006/diagram" xmlns:r="http://schemas.openxmlformats.org/officeDocument/2006/relationships" r:dm="rId2" r:lo="rId3" r:qs="rId4" r:cs="rId5"/>
+          </a:graphicData>
+        </a:graphic>
+      </p:graphicFrame>
+    </p:spTree>
+    <p:extLst>
+      <p:ext uri="{BB962C8B-B14F-4D97-AF65-F5344CB8AC3E}">
+        <p14:creationId xmlns:p14="http://schemas.microsoft.com/office/powerpoint/2010/main" val="3639629836"/>
+      </p:ext>
+    </p:extLst>
+  </p:cSld>
+  <p:clrMapOvr>
+    <a:masterClrMapping/>
+  </p:clrMapOvr>
+</p:sld>
+</file>
+
+<file path=ppt/slides/slide7.xml><?xml version="1.0" encoding="utf-8"?>
+<p:sld xmlns:a="http://schemas.openxmlformats.org/drawingml/2006/main" xmlns:r="http://schemas.openxmlformats.org/officeDocument/2006/relationships" xmlns:p="http://schemas.openxmlformats.org/presentationml/2006/main">
+  <p:cSld>
+    <p:spTree>
+      <p:nvGrpSpPr>
+        <p:cNvPr id="1" name=""/>
+        <p:cNvGrpSpPr/>
+        <p:nvPr/>
+      </p:nvGrpSpPr>
+      <p:grpSpPr>
+        <a:xfrm>
+          <a:off x="0" y="0"/>
+          <a:ext cx="0" cy="0"/>
+          <a:chOff x="0" y="0"/>
+          <a:chExt cx="0" cy="0"/>
+        </a:xfrm>
+      </p:grpSpPr>
+      <p:sp>
+        <p:nvSpPr>
+          <p:cNvPr id="2" name="Titel 1">
+            <a:extLst>
+              <a:ext uri="{FF2B5EF4-FFF2-40B4-BE49-F238E27FC236}">
+                <a16:creationId xmlns:a16="http://schemas.microsoft.com/office/drawing/2014/main" id="{21477FCF-2D0E-4674-BA62-6439CED77BE2}"/>
+              </a:ext>
+            </a:extLst>
+          </p:cNvPr>
+          <p:cNvSpPr>
+            <a:spLocks noGrp="1"/>
+          </p:cNvSpPr>
+          <p:nvPr>
+            <p:ph type="title"/>
+          </p:nvPr>
+        </p:nvSpPr>
+        <p:spPr/>
+        <p:txBody>
+          <a:bodyPr/>
+          <a:lstStyle/>
+          <a:p>
+            <a:r>
+              <a:rPr lang="nl-NL" dirty="0"/>
+              <a:t>README</a:t>
+            </a:r>
+          </a:p>
+        </p:txBody>
+      </p:sp>
+      <p:sp>
+        <p:nvSpPr>
+          <p:cNvPr id="3" name="Tijdelijke aanduiding voor inhoud 2">
+            <a:extLst>
+              <a:ext uri="{FF2B5EF4-FFF2-40B4-BE49-F238E27FC236}">
+                <a16:creationId xmlns:a16="http://schemas.microsoft.com/office/drawing/2014/main" id="{AF938FF8-D3AF-4469-80AC-F331B70E7987}"/>
+              </a:ext>
+            </a:extLst>
+          </p:cNvPr>
+          <p:cNvSpPr>
+            <a:spLocks noGrp="1"/>
+          </p:cNvSpPr>
+          <p:nvPr>
+            <p:ph idx="1"/>
+          </p:nvPr>
+        </p:nvSpPr>
+        <p:spPr/>
+        <p:txBody>
+          <a:bodyPr/>
+          <a:lstStyle/>
+          <a:p>
+            <a:r>
+              <a:rPr lang="nl-NL" dirty="0"/>
+              <a:t>We gaan door me </a:t>
+            </a:r>
+            <a:r>
+              <a:rPr lang="nl-NL" dirty="0" err="1"/>
+              <a:t>readme</a:t>
+            </a:r>
+            <a:r>
+              <a:rPr lang="nl-NL" dirty="0"/>
+              <a:t> heen kijken</a:t>
+            </a:r>
+          </a:p>
+          <a:p>
+            <a:endParaRPr lang="nl-NL" dirty="0"/>
+          </a:p>
+        </p:txBody>
+      </p:sp>
+    </p:spTree>
+    <p:extLst>
+      <p:ext uri="{BB962C8B-B14F-4D97-AF65-F5344CB8AC3E}">
+        <p14:creationId xmlns:p14="http://schemas.microsoft.com/office/powerpoint/2010/main" val="830636906"/>
+      </p:ext>
+    </p:extLst>
+  </p:cSld>
+  <p:clrMapOvr>
+    <a:masterClrMapping/>
+  </p:clrMapOvr>
+</p:sld>
+</file>
+
+<file path=ppt/slides/slide8.xml><?xml version="1.0" encoding="utf-8"?>
+<p:sld xmlns:a="http://schemas.openxmlformats.org/drawingml/2006/main" xmlns:r="http://schemas.openxmlformats.org/officeDocument/2006/relationships" xmlns:p="http://schemas.openxmlformats.org/presentationml/2006/main">
+  <p:cSld>
+    <p:spTree>
+      <p:nvGrpSpPr>
+        <p:cNvPr id="1" name=""/>
+        <p:cNvGrpSpPr/>
+        <p:nvPr/>
+      </p:nvGrpSpPr>
+      <p:grpSpPr>
+        <a:xfrm>
+          <a:off x="0" y="0"/>
+          <a:ext cx="0" cy="0"/>
+          <a:chOff x="0" y="0"/>
+          <a:chExt cx="0" cy="0"/>
+        </a:xfrm>
+      </p:grpSpPr>
+      <p:sp>
+        <p:nvSpPr>
+          <p:cNvPr id="2" name="Titel 1">
+            <a:extLst>
+              <a:ext uri="{FF2B5EF4-FFF2-40B4-BE49-F238E27FC236}">
+                <a16:creationId xmlns:a16="http://schemas.microsoft.com/office/drawing/2014/main" id="{2015F151-1BA2-45DB-BEC7-E749971675D5}"/>
+              </a:ext>
+            </a:extLst>
+          </p:cNvPr>
+          <p:cNvSpPr>
+            <a:spLocks noGrp="1"/>
+          </p:cNvSpPr>
+          <p:nvPr>
+            <p:ph type="title"/>
+          </p:nvPr>
+        </p:nvSpPr>
+        <p:spPr/>
+        <p:txBody>
+          <a:bodyPr/>
+          <a:lstStyle/>
+          <a:p>
+            <a:r>
+              <a:rPr lang="nl-NL" dirty="0" err="1"/>
+              <a:t>conlusie</a:t>
+            </a:r>
+            <a:endParaRPr lang="nl-NL" dirty="0"/>
+          </a:p>
+        </p:txBody>
+      </p:sp>
+      <p:sp>
+        <p:nvSpPr>
+          <p:cNvPr id="3" name="Tijdelijke aanduiding voor inhoud 2">
+            <a:extLst>
+              <a:ext uri="{FF2B5EF4-FFF2-40B4-BE49-F238E27FC236}">
+                <a16:creationId xmlns:a16="http://schemas.microsoft.com/office/drawing/2014/main" id="{C935118F-5926-4FDF-B079-72AE3E406D55}"/>
+              </a:ext>
+            </a:extLst>
+          </p:cNvPr>
+          <p:cNvSpPr>
+            <a:spLocks noGrp="1"/>
+          </p:cNvSpPr>
+          <p:nvPr>
+            <p:ph idx="1"/>
+          </p:nvPr>
+        </p:nvSpPr>
+        <p:spPr/>
+        <p:txBody>
+          <a:bodyPr/>
+          <a:lstStyle/>
+          <a:p>
+            <a:r>
+              <a:rPr lang="nl-NL" dirty="0"/>
+              <a:t>Ik ben blij met het resultaat</a:t>
+            </a:r>
+          </a:p>
+          <a:p>
+            <a:r>
+              <a:rPr lang="nl-NL" dirty="0"/>
+              <a:t>Veel geleerd</a:t>
+            </a:r>
+          </a:p>
+          <a:p>
+            <a:r>
+              <a:rPr lang="nl-NL" dirty="0"/>
+              <a:t>Toch wel time </a:t>
+            </a:r>
+            <a:r>
+              <a:rPr lang="nl-NL" dirty="0" err="1"/>
+              <a:t>crunch</a:t>
+            </a:r>
+            <a:endParaRPr lang="nl-NL" dirty="0"/>
+          </a:p>
+          <a:p>
+            <a:r>
+              <a:rPr lang="nl-NL" dirty="0" err="1"/>
+              <a:t>Vebeterpunten</a:t>
+            </a:r>
+            <a:r>
+              <a:rPr lang="nl-NL" dirty="0"/>
+              <a:t> zoals plannen</a:t>
+            </a:r>
+          </a:p>
+          <a:p>
+            <a:r>
+              <a:rPr lang="nl-NL" dirty="0"/>
+              <a:t>Kan nog meer toegevoegd worden</a:t>
+            </a:r>
+          </a:p>
+        </p:txBody>
+      </p:sp>
+    </p:spTree>
+    <p:extLst>
+      <p:ext uri="{BB962C8B-B14F-4D97-AF65-F5344CB8AC3E}">
+        <p14:creationId xmlns:p14="http://schemas.microsoft.com/office/powerpoint/2010/main" val="3023032142"/>
+      </p:ext>
+    </p:extLst>
+  </p:cSld>
+  <p:clrMapOvr>
+    <a:masterClrMapping/>
+  </p:clrMapOvr>
+</p:sld>
+</file>
+
 <file path=ppt/theme/theme1.xml><?xml version="1.0" encoding="utf-8"?>
 <a:theme xmlns:a="http://schemas.openxmlformats.org/drawingml/2006/main" name="HeadlinesVTI">
   <a:themeElements>
